--- a/images/posts/2025-09-15-blog-post/新建 Microsoft PowerPoint 演示文稿.pptx
+++ b/images/posts/2025-09-15-blog-post/新建 Microsoft PowerPoint 演示文稿.pptx
@@ -104,6 +104,11 @@
       </a:defRPr>
     </a:lvl9pPr>
   </p:defaultTextStyle>
+  <p:extLst>
+    <p:ext uri="{EFAFB233-063F-42B5-8137-9DF3F51BA10A}">
+      <p15:sldGuideLst xmlns:p15="http://schemas.microsoft.com/office/powerpoint/2012/main"/>
+    </p:ext>
+  </p:extLst>
 </p:presentation>
 </file>
 
@@ -3553,8 +3558,8 @@
           </a:fontRef>
         </p:style>
       </p:cxnSp>
-      <mc:AlternateContent xmlns:mc="http://schemas.openxmlformats.org/markup-compatibility/2006">
-        <mc:Choice xmlns:a14="http://schemas.microsoft.com/office/drawing/2010/main" Requires="a14">
+      <mc:AlternateContent xmlns:mc="http://schemas.openxmlformats.org/markup-compatibility/2006" xmlns:a14="http://schemas.microsoft.com/office/drawing/2010/main">
+        <mc:Choice Requires="a14">
           <p:sp>
             <p:nvSpPr>
               <p:cNvPr id="15" name="文本框 14">
@@ -3583,6 +3588,7 @@
               </a:bodyPr>
               <a:lstStyle/>
               <a:p>
+                <a:pPr/>
                 <a14:m>
                   <m:oMathPara xmlns:m="http://schemas.openxmlformats.org/officeDocument/2006/math">
                     <m:oMathParaPr>
@@ -3622,7 +3628,7 @@
             </p:txBody>
           </p:sp>
         </mc:Choice>
-        <mc:Fallback>
+        <mc:Fallback xmlns="">
           <p:sp>
             <p:nvSpPr>
               <p:cNvPr id="15" name="文本框 14">
@@ -3667,8 +3673,8 @@
           </p:sp>
         </mc:Fallback>
       </mc:AlternateContent>
-      <mc:AlternateContent xmlns:mc="http://schemas.openxmlformats.org/markup-compatibility/2006">
-        <mc:Choice xmlns:a14="http://schemas.microsoft.com/office/drawing/2010/main" Requires="a14">
+      <mc:AlternateContent xmlns:mc="http://schemas.openxmlformats.org/markup-compatibility/2006" xmlns:a14="http://schemas.microsoft.com/office/drawing/2010/main">
+        <mc:Choice Requires="a14">
           <p:sp>
             <p:nvSpPr>
               <p:cNvPr id="16" name="文本框 15">
@@ -3697,6 +3703,7 @@
               </a:bodyPr>
               <a:lstStyle/>
               <a:p>
+                <a:pPr/>
                 <a14:m>
                   <m:oMathPara xmlns:m="http://schemas.openxmlformats.org/officeDocument/2006/math">
                     <m:oMathParaPr>
@@ -3736,7 +3743,7 @@
             </p:txBody>
           </p:sp>
         </mc:Choice>
-        <mc:Fallback>
+        <mc:Fallback xmlns="">
           <p:sp>
             <p:nvSpPr>
               <p:cNvPr id="16" name="文本框 15">
@@ -3871,8 +3878,8 @@
           </a:p>
         </p:txBody>
       </p:sp>
-      <mc:AlternateContent xmlns:mc="http://schemas.openxmlformats.org/markup-compatibility/2006">
-        <mc:Choice xmlns:a14="http://schemas.microsoft.com/office/drawing/2010/main" Requires="a14">
+      <mc:AlternateContent xmlns:mc="http://schemas.openxmlformats.org/markup-compatibility/2006" xmlns:a14="http://schemas.microsoft.com/office/drawing/2010/main">
+        <mc:Choice Requires="a14">
           <p:sp>
             <p:nvSpPr>
               <p:cNvPr id="24" name="文本框 23">
@@ -3901,6 +3908,7 @@
               </a:bodyPr>
               <a:lstStyle/>
               <a:p>
+                <a:pPr/>
                 <a14:m>
                   <m:oMathPara xmlns:m="http://schemas.openxmlformats.org/officeDocument/2006/math">
                     <m:oMathParaPr>
@@ -3940,7 +3948,7 @@
             </p:txBody>
           </p:sp>
         </mc:Choice>
-        <mc:Fallback>
+        <mc:Fallback xmlns="">
           <p:sp>
             <p:nvSpPr>
               <p:cNvPr id="24" name="文本框 23">
@@ -3985,8 +3993,8 @@
           </p:sp>
         </mc:Fallback>
       </mc:AlternateContent>
-      <mc:AlternateContent xmlns:mc="http://schemas.openxmlformats.org/markup-compatibility/2006">
-        <mc:Choice xmlns:a14="http://schemas.microsoft.com/office/drawing/2010/main" Requires="a14">
+      <mc:AlternateContent xmlns:mc="http://schemas.openxmlformats.org/markup-compatibility/2006" xmlns:a14="http://schemas.microsoft.com/office/drawing/2010/main">
+        <mc:Choice Requires="a14">
           <p:sp>
             <p:nvSpPr>
               <p:cNvPr id="25" name="文本框 24">
@@ -4015,6 +4023,7 @@
               </a:bodyPr>
               <a:lstStyle/>
               <a:p>
+                <a:pPr/>
                 <a14:m>
                   <m:oMathPara xmlns:m="http://schemas.openxmlformats.org/officeDocument/2006/math">
                     <m:oMathParaPr>
@@ -4054,7 +4063,7 @@
             </p:txBody>
           </p:sp>
         </mc:Choice>
-        <mc:Fallback>
+        <mc:Fallback xmlns="">
           <p:sp>
             <p:nvSpPr>
               <p:cNvPr id="25" name="文本框 24">
@@ -4116,7 +4125,7 @@
             <p:spPr>
               <a:xfrm>
                 <a:off x="1869935" y="3274158"/>
-                <a:ext cx="1587678" cy="584327"/>
+                <a:ext cx="1587679" cy="584327"/>
               </a:xfrm>
               <a:prstGeom prst="rect">
                 <a:avLst/>
@@ -4129,6 +4138,7 @@
               </a:bodyPr>
               <a:lstStyle/>
               <a:p>
+                <a:pPr/>
                 <a14:m>
                   <m:oMathPara xmlns:m="http://schemas.openxmlformats.org/officeDocument/2006/math">
                     <m:oMathParaPr>
@@ -4206,18 +4216,6 @@
                           </m:ctrlPr>
                         </m:dPr>
                         <m:e>
-                          <m:r>
-                            <a:rPr lang="en-US" altLang="zh-CN" sz="2000" b="0" i="1" smtClean="0">
-                              <a:latin typeface="Cambria Math" panose="02040503050406030204" pitchFamily="18" charset="0"/>
-                            </a:rPr>
-                            <m:t>𝑡</m:t>
-                          </m:r>
-                          <m:r>
-                            <a:rPr lang="en-US" altLang="zh-CN" sz="2000" b="0" i="1" smtClean="0">
-                              <a:latin typeface="Cambria Math" panose="02040503050406030204" pitchFamily="18" charset="0"/>
-                            </a:rPr>
-                            <m:t>, </m:t>
-                          </m:r>
                           <m:sSub>
                             <m:sSubPr>
                               <m:ctrlPr>
@@ -4243,6 +4241,18 @@
                               </m:r>
                             </m:sub>
                           </m:sSub>
+                          <m:r>
+                            <a:rPr lang="en-US" altLang="zh-CN" sz="2000" b="0" i="1" smtClean="0">
+                              <a:latin typeface="Cambria Math" panose="02040503050406030204" pitchFamily="18" charset="0"/>
+                            </a:rPr>
+                            <m:t>, </m:t>
+                          </m:r>
+                          <m:r>
+                            <a:rPr lang="en-US" altLang="zh-CN" sz="2000" b="0" i="1" smtClean="0">
+                              <a:latin typeface="Cambria Math" panose="02040503050406030204" pitchFamily="18" charset="0"/>
+                            </a:rPr>
+                            <m:t>𝑡</m:t>
+                          </m:r>
                         </m:e>
                       </m:d>
                     </m:oMath>
@@ -4271,7 +4281,7 @@
             <p:spPr>
               <a:xfrm>
                 <a:off x="1869935" y="3274158"/>
-                <a:ext cx="1587678" cy="584327"/>
+                <a:ext cx="1587679" cy="584327"/>
               </a:xfrm>
               <a:prstGeom prst="rect">
                 <a:avLst/>
@@ -4499,7 +4509,7 @@
             <p:spPr>
               <a:xfrm>
                 <a:off x="7720944" y="2019870"/>
-                <a:ext cx="718017" cy="335798"/>
+                <a:ext cx="301685" cy="307777"/>
               </a:xfrm>
               <a:prstGeom prst="rect">
                 <a:avLst/>
@@ -4512,6 +4522,122 @@
               </a:bodyPr>
               <a:lstStyle/>
               <a:p>
+                <a:pPr/>
+                <a14:m>
+                  <m:oMathPara xmlns:m="http://schemas.openxmlformats.org/officeDocument/2006/math">
+                    <m:oMathParaPr>
+                      <m:jc m:val="centerGroup"/>
+                    </m:oMathParaPr>
+                    <m:oMath xmlns:m="http://schemas.openxmlformats.org/officeDocument/2006/math">
+                      <m:sSub>
+                        <m:sSubPr>
+                          <m:ctrlPr>
+                            <a:rPr lang="en-US" altLang="zh-CN" sz="2000" b="0" i="1" smtClean="0">
+                              <a:latin typeface="Cambria Math" panose="02040503050406030204" pitchFamily="18" charset="0"/>
+                            </a:rPr>
+                          </m:ctrlPr>
+                        </m:sSubPr>
+                        <m:e>
+                          <m:r>
+                            <a:rPr lang="en-US" altLang="zh-CN" sz="2000" b="0" i="1" smtClean="0">
+                              <a:latin typeface="Cambria Math" panose="02040503050406030204" pitchFamily="18" charset="0"/>
+                            </a:rPr>
+                            <m:t>𝑥</m:t>
+                          </m:r>
+                        </m:e>
+                        <m:sub>
+                          <m:r>
+                            <a:rPr lang="en-US" altLang="zh-CN" sz="2000" b="0" i="1" smtClean="0">
+                              <a:latin typeface="Cambria Math" panose="02040503050406030204" pitchFamily="18" charset="0"/>
+                            </a:rPr>
+                            <m:t>𝑡</m:t>
+                          </m:r>
+                        </m:sub>
+                      </m:sSub>
+                    </m:oMath>
+                  </m:oMathPara>
+                </a14:m>
+                <a:endParaRPr lang="zh-CN" altLang="en-US" sz="2000" dirty="0"/>
+              </a:p>
+            </p:txBody>
+          </p:sp>
+        </mc:Choice>
+        <mc:Fallback>
+          <p:sp>
+            <p:nvSpPr>
+              <p:cNvPr id="33" name="文本框 32">
+                <a:extLst>
+                  <a:ext uri="{FF2B5EF4-FFF2-40B4-BE49-F238E27FC236}">
+                    <a16:creationId xmlns:a16="http://schemas.microsoft.com/office/drawing/2014/main" id="{32B10C27-EB4F-9D12-D0F0-52FB6D80ED3F}"/>
+                  </a:ext>
+                </a:extLst>
+              </p:cNvPr>
+              <p:cNvSpPr txBox="1">
+                <a:spLocks noRot="1" noChangeAspect="1" noMove="1" noResize="1" noEditPoints="1" noAdjustHandles="1" noChangeArrowheads="1" noChangeShapeType="1" noTextEdit="1"/>
+              </p:cNvSpPr>
+              <p:nvPr/>
+            </p:nvSpPr>
+            <p:spPr>
+              <a:xfrm>
+                <a:off x="7720944" y="2019870"/>
+                <a:ext cx="301685" cy="307777"/>
+              </a:xfrm>
+              <a:prstGeom prst="rect">
+                <a:avLst/>
+              </a:prstGeom>
+              <a:blipFill>
+                <a:blip r:embed="rId7"/>
+                <a:stretch>
+                  <a:fillRect l="-10204" r="-4082" b="-13725"/>
+                </a:stretch>
+              </a:blipFill>
+            </p:spPr>
+            <p:txBody>
+              <a:bodyPr/>
+              <a:lstStyle/>
+              <a:p>
+                <a:r>
+                  <a:rPr lang="zh-CN" altLang="en-US">
+                    <a:noFill/>
+                  </a:rPr>
+                  <a:t> </a:t>
+                </a:r>
+              </a:p>
+            </p:txBody>
+          </p:sp>
+        </mc:Fallback>
+      </mc:AlternateContent>
+      <mc:AlternateContent xmlns:mc="http://schemas.openxmlformats.org/markup-compatibility/2006">
+        <mc:Choice xmlns:a14="http://schemas.microsoft.com/office/drawing/2010/main" Requires="a14">
+          <p:sp>
+            <p:nvSpPr>
+              <p:cNvPr id="34" name="文本框 33">
+                <a:extLst>
+                  <a:ext uri="{FF2B5EF4-FFF2-40B4-BE49-F238E27FC236}">
+                    <a16:creationId xmlns:a16="http://schemas.microsoft.com/office/drawing/2014/main" id="{DC2A8AC3-B43E-7EE5-89CD-3732BBE1F3A2}"/>
+                  </a:ext>
+                </a:extLst>
+              </p:cNvPr>
+              <p:cNvSpPr txBox="1"/>
+              <p:nvPr/>
+            </p:nvSpPr>
+            <p:spPr>
+              <a:xfrm>
+                <a:off x="10615452" y="1561919"/>
+                <a:ext cx="605807" cy="336374"/>
+              </a:xfrm>
+              <a:prstGeom prst="rect">
+                <a:avLst/>
+              </a:prstGeom>
+              <a:noFill/>
+            </p:spPr>
+            <p:txBody>
+              <a:bodyPr wrap="none" lIns="0" tIns="0" rIns="0" bIns="0" rtlCol="0">
+                <a:spAutoFit/>
+              </a:bodyPr>
+              <a:lstStyle/>
+              <a:p>
+                <a:pPr/>
                 <a14:m>
                   <m:oMathPara xmlns:m="http://schemas.openxmlformats.org/officeDocument/2006/math">
                     <m:oMathParaPr>
@@ -4559,124 +4685,10 @@
                                 <a:rPr lang="en-US" altLang="zh-CN" sz="2000" b="0" i="0" smtClean="0">
                                   <a:latin typeface="Cambria Math" panose="02040503050406030204" pitchFamily="18" charset="0"/>
                                 </a:rPr>
-                                <m:t>start</m:t>
+                                <m:t>end</m:t>
                               </m:r>
                             </m:sub>
                           </m:sSub>
-                        </m:sub>
-                      </m:sSub>
-                    </m:oMath>
-                  </m:oMathPara>
-                </a14:m>
-                <a:endParaRPr lang="zh-CN" altLang="en-US" sz="2000" dirty="0"/>
-              </a:p>
-            </p:txBody>
-          </p:sp>
-        </mc:Choice>
-        <mc:Fallback>
-          <p:sp>
-            <p:nvSpPr>
-              <p:cNvPr id="33" name="文本框 32">
-                <a:extLst>
-                  <a:ext uri="{FF2B5EF4-FFF2-40B4-BE49-F238E27FC236}">
-                    <a16:creationId xmlns:a16="http://schemas.microsoft.com/office/drawing/2014/main" id="{32B10C27-EB4F-9D12-D0F0-52FB6D80ED3F}"/>
-                  </a:ext>
-                </a:extLst>
-              </p:cNvPr>
-              <p:cNvSpPr txBox="1">
-                <a:spLocks noRot="1" noChangeAspect="1" noMove="1" noResize="1" noEditPoints="1" noAdjustHandles="1" noChangeArrowheads="1" noChangeShapeType="1" noTextEdit="1"/>
-              </p:cNvSpPr>
-              <p:nvPr/>
-            </p:nvSpPr>
-            <p:spPr>
-              <a:xfrm>
-                <a:off x="7720944" y="2019870"/>
-                <a:ext cx="718017" cy="335798"/>
-              </a:xfrm>
-              <a:prstGeom prst="rect">
-                <a:avLst/>
-              </a:prstGeom>
-              <a:blipFill>
-                <a:blip r:embed="rId7"/>
-                <a:stretch>
-                  <a:fillRect l="-2564" b="-16364"/>
-                </a:stretch>
-              </a:blipFill>
-            </p:spPr>
-            <p:txBody>
-              <a:bodyPr/>
-              <a:lstStyle/>
-              <a:p>
-                <a:r>
-                  <a:rPr lang="zh-CN" altLang="en-US">
-                    <a:noFill/>
-                  </a:rPr>
-                  <a:t> </a:t>
-                </a:r>
-              </a:p>
-            </p:txBody>
-          </p:sp>
-        </mc:Fallback>
-      </mc:AlternateContent>
-      <mc:AlternateContent xmlns:mc="http://schemas.openxmlformats.org/markup-compatibility/2006">
-        <mc:Choice xmlns:a14="http://schemas.microsoft.com/office/drawing/2010/main" Requires="a14">
-          <p:sp>
-            <p:nvSpPr>
-              <p:cNvPr id="34" name="文本框 33">
-                <a:extLst>
-                  <a:ext uri="{FF2B5EF4-FFF2-40B4-BE49-F238E27FC236}">
-                    <a16:creationId xmlns:a16="http://schemas.microsoft.com/office/drawing/2014/main" id="{DC2A8AC3-B43E-7EE5-89CD-3732BBE1F3A2}"/>
-                  </a:ext>
-                </a:extLst>
-              </p:cNvPr>
-              <p:cNvSpPr txBox="1"/>
-              <p:nvPr/>
-            </p:nvSpPr>
-            <p:spPr>
-              <a:xfrm>
-                <a:off x="10615452" y="1561919"/>
-                <a:ext cx="301685" cy="307777"/>
-              </a:xfrm>
-              <a:prstGeom prst="rect">
-                <a:avLst/>
-              </a:prstGeom>
-              <a:noFill/>
-            </p:spPr>
-            <p:txBody>
-              <a:bodyPr wrap="none" lIns="0" tIns="0" rIns="0" bIns="0" rtlCol="0">
-                <a:spAutoFit/>
-              </a:bodyPr>
-              <a:lstStyle/>
-              <a:p>
-                <a14:m>
-                  <m:oMathPara xmlns:m="http://schemas.openxmlformats.org/officeDocument/2006/math">
-                    <m:oMathParaPr>
-                      <m:jc m:val="centerGroup"/>
-                    </m:oMathParaPr>
-                    <m:oMath xmlns:m="http://schemas.openxmlformats.org/officeDocument/2006/math">
-                      <m:sSub>
-                        <m:sSubPr>
-                          <m:ctrlPr>
-                            <a:rPr lang="en-US" altLang="zh-CN" sz="2000" b="0" i="1" smtClean="0">
-                              <a:latin typeface="Cambria Math" panose="02040503050406030204" pitchFamily="18" charset="0"/>
-                            </a:rPr>
-                          </m:ctrlPr>
-                        </m:sSubPr>
-                        <m:e>
-                          <m:r>
-                            <a:rPr lang="en-US" altLang="zh-CN" sz="2000" b="0" i="1" smtClean="0">
-                              <a:latin typeface="Cambria Math" panose="02040503050406030204" pitchFamily="18" charset="0"/>
-                            </a:rPr>
-                            <m:t>𝑥</m:t>
-                          </m:r>
-                        </m:e>
-                        <m:sub>
-                          <m:r>
-                            <a:rPr lang="en-US" altLang="zh-CN" sz="2000" b="0" i="1" smtClean="0">
-                              <a:latin typeface="Cambria Math" panose="02040503050406030204" pitchFamily="18" charset="0"/>
-                            </a:rPr>
-                            <m:t>𝑡</m:t>
-                          </m:r>
                         </m:sub>
                       </m:sSub>
                     </m:oMath>
@@ -4705,7 +4717,7 @@
             <p:spPr>
               <a:xfrm>
                 <a:off x="10615452" y="1561919"/>
-                <a:ext cx="301685" cy="307777"/>
+                <a:ext cx="605807" cy="336374"/>
               </a:xfrm>
               <a:prstGeom prst="rect">
                 <a:avLst/>
@@ -4713,7 +4725,7 @@
               <a:blipFill>
                 <a:blip r:embed="rId8"/>
                 <a:stretch>
-                  <a:fillRect l="-8000" r="-2000" b="-13725"/>
+                  <a:fillRect l="-4000" b="-20000"/>
                 </a:stretch>
               </a:blipFill>
             </p:spPr>
@@ -4732,8 +4744,8 @@
           </p:sp>
         </mc:Fallback>
       </mc:AlternateContent>
-      <mc:AlternateContent xmlns:mc="http://schemas.openxmlformats.org/markup-compatibility/2006">
-        <mc:Choice xmlns:a14="http://schemas.microsoft.com/office/drawing/2010/main" Requires="a14">
+      <mc:AlternateContent xmlns:mc="http://schemas.openxmlformats.org/markup-compatibility/2006" xmlns:a14="http://schemas.microsoft.com/office/drawing/2010/main">
+        <mc:Choice Requires="a14">
           <p:sp>
             <p:nvSpPr>
               <p:cNvPr id="35" name="文本框 34">
@@ -4762,6 +4774,7 @@
               </a:bodyPr>
               <a:lstStyle/>
               <a:p>
+                <a:pPr/>
                 <a14:m>
                   <m:oMathPara xmlns:m="http://schemas.openxmlformats.org/officeDocument/2006/math">
                     <m:oMathParaPr>
@@ -4801,7 +4814,7 @@
             </p:txBody>
           </p:sp>
         </mc:Choice>
-        <mc:Fallback>
+        <mc:Fallback xmlns="">
           <p:sp>
             <p:nvSpPr>
               <p:cNvPr id="35" name="文本框 34">
@@ -4862,8 +4875,8 @@
             </p:nvSpPr>
             <p:spPr>
               <a:xfrm>
-                <a:off x="6797429" y="3222286"/>
-                <a:ext cx="4537974" cy="688073"/>
+                <a:off x="7033649" y="3222286"/>
+                <a:ext cx="4342406" cy="688073"/>
               </a:xfrm>
               <a:prstGeom prst="rect">
                 <a:avLst/>
@@ -4876,37 +4889,19 @@
               </a:bodyPr>
               <a:lstStyle/>
               <a:p>
+                <a:pPr/>
                 <a14:m>
                   <m:oMathPara xmlns:m="http://schemas.openxmlformats.org/officeDocument/2006/math">
                     <m:oMathParaPr>
                       <m:jc m:val="centerGroup"/>
                     </m:oMathParaPr>
                     <m:oMath xmlns:m="http://schemas.openxmlformats.org/officeDocument/2006/math">
-                      <m:sSub>
-                        <m:sSubPr>
-                          <m:ctrlPr>
-                            <a:rPr lang="en-US" altLang="zh-CN" sz="2000" b="0" i="1" smtClean="0">
-                              <a:latin typeface="Cambria Math" panose="02040503050406030204" pitchFamily="18" charset="0"/>
-                            </a:rPr>
-                          </m:ctrlPr>
-                        </m:sSubPr>
-                        <m:e>
-                          <m:r>
-                            <a:rPr lang="en-US" altLang="zh-CN" sz="2000" b="0" i="1" smtClean="0">
-                              <a:latin typeface="Cambria Math" panose="02040503050406030204" pitchFamily="18" charset="0"/>
-                            </a:rPr>
-                            <m:t>𝑢</m:t>
-                          </m:r>
-                        </m:e>
-                        <m:sub>
-                          <m:r>
-                            <a:rPr lang="en-US" altLang="zh-CN" sz="2000" b="0" i="1" smtClean="0">
-                              <a:latin typeface="Cambria Math" panose="02040503050406030204" pitchFamily="18" charset="0"/>
-                            </a:rPr>
-                            <m:t>𝑡</m:t>
-                          </m:r>
-                        </m:sub>
-                      </m:sSub>
+                      <m:r>
+                        <a:rPr lang="en-US" altLang="zh-CN" sz="2000" b="0" i="1" smtClean="0">
+                          <a:latin typeface="Cambria Math" panose="02040503050406030204" pitchFamily="18" charset="0"/>
+                        </a:rPr>
+                        <m:t>𝑢</m:t>
+                      </m:r>
                       <m:d>
                         <m:dPr>
                           <m:ctrlPr>
@@ -4916,18 +4911,6 @@
                           </m:ctrlPr>
                         </m:dPr>
                         <m:e>
-                          <m:r>
-                            <a:rPr lang="en-US" altLang="zh-CN" sz="2000" b="0" i="1" smtClean="0">
-                              <a:latin typeface="Cambria Math" panose="02040503050406030204" pitchFamily="18" charset="0"/>
-                            </a:rPr>
-                            <m:t>𝑡</m:t>
-                          </m:r>
-                          <m:r>
-                            <a:rPr lang="en-US" altLang="zh-CN" sz="2000" b="0" i="1" smtClean="0">
-                              <a:latin typeface="Cambria Math" panose="02040503050406030204" pitchFamily="18" charset="0"/>
-                            </a:rPr>
-                            <m:t>,</m:t>
-                          </m:r>
                           <m:sSub>
                             <m:sSubPr>
                               <m:ctrlPr>
@@ -4959,6 +4942,24 @@
                             </a:rPr>
                             <m:t>,</m:t>
                           </m:r>
+                          <m:r>
+                            <a:rPr lang="en-US" altLang="zh-CN" sz="2000" b="0" i="1" smtClean="0">
+                              <a:latin typeface="Cambria Math" panose="02040503050406030204" pitchFamily="18" charset="0"/>
+                            </a:rPr>
+                            <m:t> </m:t>
+                          </m:r>
+                          <m:r>
+                            <a:rPr lang="en-US" altLang="zh-CN" sz="2000" b="0" i="1" smtClean="0">
+                              <a:latin typeface="Cambria Math" panose="02040503050406030204" pitchFamily="18" charset="0"/>
+                            </a:rPr>
+                            <m:t>𝑡</m:t>
+                          </m:r>
+                          <m:r>
+                            <a:rPr lang="en-US" altLang="zh-CN" sz="2000" b="0" i="1" smtClean="0">
+                              <a:latin typeface="Cambria Math" panose="02040503050406030204" pitchFamily="18" charset="0"/>
+                            </a:rPr>
+                            <m:t>, </m:t>
+                          </m:r>
                           <m:sSub>
                             <m:sSubPr>
                               <m:ctrlPr>
@@ -4972,38 +4973,19 @@
                                 <a:rPr lang="en-US" altLang="zh-CN" sz="2000" b="0" i="1" smtClean="0">
                                   <a:latin typeface="Cambria Math" panose="02040503050406030204" pitchFamily="18" charset="0"/>
                                 </a:rPr>
-                                <m:t>𝑥</m:t>
+                                <m:t>𝑡</m:t>
                               </m:r>
                             </m:e>
                             <m:sub>
-                              <m:sSub>
-                                <m:sSubPr>
-                                  <m:ctrlPr>
-                                    <a:rPr lang="en-US" altLang="zh-CN" sz="2000" b="0" i="1" smtClean="0">
-                                      <a:latin typeface="Cambria Math" panose="02040503050406030204" pitchFamily="18" charset="0"/>
-                                    </a:rPr>
-                                  </m:ctrlPr>
-                                </m:sSubPr>
-                                <m:e>
-                                  <m:r>
-                                    <a:rPr lang="en-US" altLang="zh-CN" sz="2000" b="0" i="1" smtClean="0">
-                                      <a:latin typeface="Cambria Math" panose="02040503050406030204" pitchFamily="18" charset="0"/>
-                                    </a:rPr>
-                                    <m:t>𝑡</m:t>
-                                  </m:r>
-                                </m:e>
-                                <m:sub>
-                                  <m:r>
-                                    <m:rPr>
-                                      <m:sty m:val="p"/>
-                                    </m:rPr>
-                                    <a:rPr lang="en-US" altLang="zh-CN" sz="2000" b="0" i="0" smtClean="0">
-                                      <a:latin typeface="Cambria Math" panose="02040503050406030204" pitchFamily="18" charset="0"/>
-                                    </a:rPr>
-                                    <m:t>end</m:t>
-                                  </m:r>
-                                </m:sub>
-                              </m:sSub>
+                              <m:r>
+                                <m:rPr>
+                                  <m:sty m:val="p"/>
+                                </m:rPr>
+                                <a:rPr lang="en-US" altLang="zh-CN" sz="2000" b="0" i="0" smtClean="0">
+                                  <a:latin typeface="Cambria Math" panose="02040503050406030204" pitchFamily="18" charset="0"/>
+                                </a:rPr>
+                                <m:t>end</m:t>
+                              </m:r>
                             </m:sub>
                           </m:sSub>
                         </m:e>
@@ -5135,24 +5117,6 @@
                               </m:ctrlPr>
                             </m:dPr>
                             <m:e>
-                              <m:r>
-                                <a:rPr lang="en-US" altLang="zh-CN" sz="2000" b="0" i="1" smtClean="0">
-                                  <a:latin typeface="Cambria Math" panose="02040503050406030204" pitchFamily="18" charset="0"/>
-                                </a:rPr>
-                                <m:t>𝑠</m:t>
-                              </m:r>
-                              <m:r>
-                                <a:rPr lang="en-US" altLang="zh-CN" sz="2000" b="0" i="1" smtClean="0">
-                                  <a:latin typeface="Cambria Math" panose="02040503050406030204" pitchFamily="18" charset="0"/>
-                                </a:rPr>
-                                <m:t>,</m:t>
-                              </m:r>
-                              <m:r>
-                                <a:rPr lang="en-US" altLang="zh-CN" sz="2000" b="0" i="1" smtClean="0">
-                                  <a:latin typeface="Cambria Math" panose="02040503050406030204" pitchFamily="18" charset="0"/>
-                                </a:rPr>
-                                <m:t> </m:t>
-                              </m:r>
                               <m:sSub>
                                 <m:sSubPr>
                                   <m:ctrlPr>
@@ -5171,13 +5135,25 @@
                                 </m:e>
                                 <m:sub>
                                   <m:r>
-                                    <a:rPr lang="en-US" altLang="zh-CN" sz="2000" b="0" i="1" smtClean="0">
+                                    <a:rPr lang="zh-CN" altLang="en-US" sz="2000" b="0" i="1" smtClean="0">
                                       <a:latin typeface="Cambria Math" panose="02040503050406030204" pitchFamily="18" charset="0"/>
                                     </a:rPr>
-                                    <m:t>𝑠</m:t>
+                                    <m:t>𝜏</m:t>
                                   </m:r>
                                 </m:sub>
                               </m:sSub>
+                              <m:r>
+                                <a:rPr lang="en-US" altLang="zh-CN" sz="2000" b="0" i="1" smtClean="0">
+                                  <a:latin typeface="Cambria Math" panose="02040503050406030204" pitchFamily="18" charset="0"/>
+                                </a:rPr>
+                                <m:t>, </m:t>
+                              </m:r>
+                              <m:r>
+                                <a:rPr lang="zh-CN" altLang="en-US" sz="2000" b="0" i="1" smtClean="0">
+                                  <a:latin typeface="Cambria Math" panose="02040503050406030204" pitchFamily="18" charset="0"/>
+                                </a:rPr>
+                                <m:t>𝜏</m:t>
+                              </m:r>
                             </m:e>
                           </m:d>
                           <m:r>
@@ -5187,10 +5163,10 @@
                             <m:t>𝑑</m:t>
                           </m:r>
                           <m:r>
-                            <a:rPr lang="en-US" altLang="zh-CN" sz="2000" b="0" i="1" smtClean="0">
+                            <a:rPr lang="zh-CN" altLang="en-US" sz="2000" b="0" i="1" smtClean="0">
                               <a:latin typeface="Cambria Math" panose="02040503050406030204" pitchFamily="18" charset="0"/>
                             </a:rPr>
-                            <m:t>𝑠</m:t>
+                            <m:t>𝜏</m:t>
                           </m:r>
                         </m:e>
                       </m:nary>
@@ -5219,8 +5195,8 @@
             </p:nvSpPr>
             <p:spPr>
               <a:xfrm>
-                <a:off x="6797429" y="3222286"/>
-                <a:ext cx="4537974" cy="688073"/>
+                <a:off x="7033649" y="3222286"/>
+                <a:ext cx="4342406" cy="688073"/>
               </a:xfrm>
               <a:prstGeom prst="rect">
                 <a:avLst/>
@@ -5247,8 +5223,8 @@
           </p:sp>
         </mc:Fallback>
       </mc:AlternateContent>
-      <mc:AlternateContent xmlns:mc="http://schemas.openxmlformats.org/markup-compatibility/2006">
-        <mc:Choice xmlns:a14="http://schemas.microsoft.com/office/drawing/2010/main" Requires="a14">
+      <mc:AlternateContent xmlns:mc="http://schemas.openxmlformats.org/markup-compatibility/2006" xmlns:a14="http://schemas.microsoft.com/office/drawing/2010/main">
+        <mc:Choice Requires="a14">
           <p:sp>
             <p:nvSpPr>
               <p:cNvPr id="37" name="文本框 36">
@@ -5277,6 +5253,7 @@
               </a:bodyPr>
               <a:lstStyle/>
               <a:p>
+                <a:pPr/>
                 <a14:m>
                   <m:oMathPara xmlns:m="http://schemas.openxmlformats.org/officeDocument/2006/math">
                     <m:oMathParaPr>
@@ -5316,7 +5293,7 @@
             </p:txBody>
           </p:sp>
         </mc:Choice>
-        <mc:Fallback>
+        <mc:Fallback xmlns="">
           <p:sp>
             <p:nvSpPr>
               <p:cNvPr id="37" name="文本框 36">
@@ -5361,8 +5338,8 @@
           </p:sp>
         </mc:Fallback>
       </mc:AlternateContent>
-      <mc:AlternateContent xmlns:mc="http://schemas.openxmlformats.org/markup-compatibility/2006">
-        <mc:Choice xmlns:a14="http://schemas.microsoft.com/office/drawing/2010/main" Requires="a14">
+      <mc:AlternateContent xmlns:mc="http://schemas.openxmlformats.org/markup-compatibility/2006" xmlns:a14="http://schemas.microsoft.com/office/drawing/2010/main">
+        <mc:Choice Requires="a14">
           <p:sp>
             <p:nvSpPr>
               <p:cNvPr id="38" name="文本框 37">
@@ -5391,6 +5368,7 @@
               </a:bodyPr>
               <a:lstStyle/>
               <a:p>
+                <a:pPr/>
                 <a14:m>
                   <m:oMathPara xmlns:m="http://schemas.openxmlformats.org/officeDocument/2006/math">
                     <m:oMathParaPr>
@@ -5430,7 +5408,7 @@
             </p:txBody>
           </p:sp>
         </mc:Choice>
-        <mc:Fallback>
+        <mc:Fallback xmlns="">
           <p:sp>
             <p:nvSpPr>
               <p:cNvPr id="38" name="文本框 37">

--- a/images/posts/2025-09-15-blog-post/新建 Microsoft PowerPoint 演示文稿.pptx
+++ b/images/posts/2025-09-15-blog-post/新建 Microsoft PowerPoint 演示文稿.pptx
@@ -4,8 +4,13 @@
   <p:sldMasterIdLst>
     <p:sldMasterId id="2147483648" r:id="rId1"/>
   </p:sldMasterIdLst>
+  <p:notesMasterIdLst>
+    <p:notesMasterId r:id="rId5"/>
+  </p:notesMasterIdLst>
   <p:sldIdLst>
     <p:sldId id="256" r:id="rId2"/>
+    <p:sldId id="257" r:id="rId3"/>
+    <p:sldId id="258" r:id="rId4"/>
   </p:sldIdLst>
   <p:sldSz cx="12192000" cy="6858000"/>
   <p:notesSz cx="6858000" cy="9144000"/>
@@ -112,6 +117,439 @@
 </p:presentation>
 </file>
 
+<file path=ppt/notesMasters/notesMaster1.xml><?xml version="1.0" encoding="utf-8"?>
+<p:notesMaster xmlns:a="http://schemas.openxmlformats.org/drawingml/2006/main" xmlns:r="http://schemas.openxmlformats.org/officeDocument/2006/relationships" xmlns:p="http://schemas.openxmlformats.org/presentationml/2006/main">
+  <p:cSld>
+    <p:bg>
+      <p:bgRef idx="1001">
+        <a:schemeClr val="bg1"/>
+      </p:bgRef>
+    </p:bg>
+    <p:spTree>
+      <p:nvGrpSpPr>
+        <p:cNvPr id="1" name=""/>
+        <p:cNvGrpSpPr/>
+        <p:nvPr/>
+      </p:nvGrpSpPr>
+      <p:grpSpPr>
+        <a:xfrm>
+          <a:off x="0" y="0"/>
+          <a:ext cx="0" cy="0"/>
+          <a:chOff x="0" y="0"/>
+          <a:chExt cx="0" cy="0"/>
+        </a:xfrm>
+      </p:grpSpPr>
+      <p:sp>
+        <p:nvSpPr>
+          <p:cNvPr id="2" name="页眉占位符 1"/>
+          <p:cNvSpPr>
+            <a:spLocks noGrp="1"/>
+          </p:cNvSpPr>
+          <p:nvPr>
+            <p:ph type="hdr" sz="quarter"/>
+          </p:nvPr>
+        </p:nvSpPr>
+        <p:spPr>
+          <a:xfrm>
+            <a:off x="0" y="0"/>
+            <a:ext cx="2971800" cy="458788"/>
+          </a:xfrm>
+          <a:prstGeom prst="rect">
+            <a:avLst/>
+          </a:prstGeom>
+        </p:spPr>
+        <p:txBody>
+          <a:bodyPr vert="horz" lIns="91440" tIns="45720" rIns="91440" bIns="45720" rtlCol="0"/>
+          <a:lstStyle>
+            <a:lvl1pPr algn="l">
+              <a:defRPr sz="1200"/>
+            </a:lvl1pPr>
+          </a:lstStyle>
+          <a:p>
+            <a:endParaRPr lang="zh-CN" altLang="en-US"/>
+          </a:p>
+        </p:txBody>
+      </p:sp>
+      <p:sp>
+        <p:nvSpPr>
+          <p:cNvPr id="3" name="日期占位符 2"/>
+          <p:cNvSpPr>
+            <a:spLocks noGrp="1"/>
+          </p:cNvSpPr>
+          <p:nvPr>
+            <p:ph type="dt" idx="1"/>
+          </p:nvPr>
+        </p:nvSpPr>
+        <p:spPr>
+          <a:xfrm>
+            <a:off x="3884613" y="0"/>
+            <a:ext cx="2971800" cy="458788"/>
+          </a:xfrm>
+          <a:prstGeom prst="rect">
+            <a:avLst/>
+          </a:prstGeom>
+        </p:spPr>
+        <p:txBody>
+          <a:bodyPr vert="horz" lIns="91440" tIns="45720" rIns="91440" bIns="45720" rtlCol="0"/>
+          <a:lstStyle>
+            <a:lvl1pPr algn="r">
+              <a:defRPr sz="1200"/>
+            </a:lvl1pPr>
+          </a:lstStyle>
+          <a:p>
+            <a:fld id="{647ECE79-FF7E-41FB-AF77-2642C537B7FF}" type="datetimeFigureOut">
+              <a:rPr lang="zh-CN" altLang="en-US" smtClean="0"/>
+              <a:t>2025/10/29</a:t>
+            </a:fld>
+            <a:endParaRPr lang="zh-CN" altLang="en-US"/>
+          </a:p>
+        </p:txBody>
+      </p:sp>
+      <p:sp>
+        <p:nvSpPr>
+          <p:cNvPr id="4" name="幻灯片图像占位符 3"/>
+          <p:cNvSpPr>
+            <a:spLocks noGrp="1" noRot="1" noChangeAspect="1"/>
+          </p:cNvSpPr>
+          <p:nvPr>
+            <p:ph type="sldImg" idx="2"/>
+          </p:nvPr>
+        </p:nvSpPr>
+        <p:spPr>
+          <a:xfrm>
+            <a:off x="685800" y="1143000"/>
+            <a:ext cx="5486400" cy="3086100"/>
+          </a:xfrm>
+          <a:prstGeom prst="rect">
+            <a:avLst/>
+          </a:prstGeom>
+          <a:noFill/>
+          <a:ln w="12700">
+            <a:solidFill>
+              <a:prstClr val="black"/>
+            </a:solidFill>
+          </a:ln>
+        </p:spPr>
+        <p:txBody>
+          <a:bodyPr vert="horz" lIns="91440" tIns="45720" rIns="91440" bIns="45720" rtlCol="0" anchor="ctr"/>
+          <a:lstStyle/>
+          <a:p>
+            <a:endParaRPr lang="zh-CN" altLang="en-US"/>
+          </a:p>
+        </p:txBody>
+      </p:sp>
+      <p:sp>
+        <p:nvSpPr>
+          <p:cNvPr id="5" name="备注占位符 4"/>
+          <p:cNvSpPr>
+            <a:spLocks noGrp="1"/>
+          </p:cNvSpPr>
+          <p:nvPr>
+            <p:ph type="body" sz="quarter" idx="3"/>
+          </p:nvPr>
+        </p:nvSpPr>
+        <p:spPr>
+          <a:xfrm>
+            <a:off x="685800" y="4400550"/>
+            <a:ext cx="5486400" cy="3600450"/>
+          </a:xfrm>
+          <a:prstGeom prst="rect">
+            <a:avLst/>
+          </a:prstGeom>
+        </p:spPr>
+        <p:txBody>
+          <a:bodyPr vert="horz" lIns="91440" tIns="45720" rIns="91440" bIns="45720" rtlCol="0"/>
+          <a:lstStyle/>
+          <a:p>
+            <a:pPr lvl="0"/>
+            <a:r>
+              <a:rPr lang="zh-CN" altLang="en-US"/>
+              <a:t>单击此处编辑母版文本样式</a:t>
+            </a:r>
+          </a:p>
+          <a:p>
+            <a:pPr lvl="1"/>
+            <a:r>
+              <a:rPr lang="zh-CN" altLang="en-US"/>
+              <a:t>二级</a:t>
+            </a:r>
+          </a:p>
+          <a:p>
+            <a:pPr lvl="2"/>
+            <a:r>
+              <a:rPr lang="zh-CN" altLang="en-US"/>
+              <a:t>三级</a:t>
+            </a:r>
+          </a:p>
+          <a:p>
+            <a:pPr lvl="3"/>
+            <a:r>
+              <a:rPr lang="zh-CN" altLang="en-US"/>
+              <a:t>四级</a:t>
+            </a:r>
+          </a:p>
+          <a:p>
+            <a:pPr lvl="4"/>
+            <a:r>
+              <a:rPr lang="zh-CN" altLang="en-US"/>
+              <a:t>五级</a:t>
+            </a:r>
+          </a:p>
+        </p:txBody>
+      </p:sp>
+      <p:sp>
+        <p:nvSpPr>
+          <p:cNvPr id="6" name="页脚占位符 5"/>
+          <p:cNvSpPr>
+            <a:spLocks noGrp="1"/>
+          </p:cNvSpPr>
+          <p:nvPr>
+            <p:ph type="ftr" sz="quarter" idx="4"/>
+          </p:nvPr>
+        </p:nvSpPr>
+        <p:spPr>
+          <a:xfrm>
+            <a:off x="0" y="8685213"/>
+            <a:ext cx="2971800" cy="458787"/>
+          </a:xfrm>
+          <a:prstGeom prst="rect">
+            <a:avLst/>
+          </a:prstGeom>
+        </p:spPr>
+        <p:txBody>
+          <a:bodyPr vert="horz" lIns="91440" tIns="45720" rIns="91440" bIns="45720" rtlCol="0" anchor="b"/>
+          <a:lstStyle>
+            <a:lvl1pPr algn="l">
+              <a:defRPr sz="1200"/>
+            </a:lvl1pPr>
+          </a:lstStyle>
+          <a:p>
+            <a:endParaRPr lang="zh-CN" altLang="en-US"/>
+          </a:p>
+        </p:txBody>
+      </p:sp>
+      <p:sp>
+        <p:nvSpPr>
+          <p:cNvPr id="7" name="灯片编号占位符 6"/>
+          <p:cNvSpPr>
+            <a:spLocks noGrp="1"/>
+          </p:cNvSpPr>
+          <p:nvPr>
+            <p:ph type="sldNum" sz="quarter" idx="5"/>
+          </p:nvPr>
+        </p:nvSpPr>
+        <p:spPr>
+          <a:xfrm>
+            <a:off x="3884613" y="8685213"/>
+            <a:ext cx="2971800" cy="458787"/>
+          </a:xfrm>
+          <a:prstGeom prst="rect">
+            <a:avLst/>
+          </a:prstGeom>
+        </p:spPr>
+        <p:txBody>
+          <a:bodyPr vert="horz" lIns="91440" tIns="45720" rIns="91440" bIns="45720" rtlCol="0" anchor="b"/>
+          <a:lstStyle>
+            <a:lvl1pPr algn="r">
+              <a:defRPr sz="1200"/>
+            </a:lvl1pPr>
+          </a:lstStyle>
+          <a:p>
+            <a:fld id="{6DA88272-91DC-496A-A3A0-F5BB871141C3}" type="slidenum">
+              <a:rPr lang="zh-CN" altLang="en-US" smtClean="0"/>
+              <a:t>‹#›</a:t>
+            </a:fld>
+            <a:endParaRPr lang="zh-CN" altLang="en-US"/>
+          </a:p>
+        </p:txBody>
+      </p:sp>
+    </p:spTree>
+    <p:extLst>
+      <p:ext uri="{BB962C8B-B14F-4D97-AF65-F5344CB8AC3E}">
+        <p14:creationId xmlns:p14="http://schemas.microsoft.com/office/powerpoint/2010/main" val="349172643"/>
+      </p:ext>
+    </p:extLst>
+  </p:cSld>
+  <p:clrMap bg1="lt1" tx1="dk1" bg2="lt2" tx2="dk2" accent1="accent1" accent2="accent2" accent3="accent3" accent4="accent4" accent5="accent5" accent6="accent6" hlink="hlink" folHlink="folHlink"/>
+  <p:notesStyle>
+    <a:lvl1pPr marL="0" algn="l" defTabSz="914400" rtl="0" eaLnBrk="1" latinLnBrk="0" hangingPunct="1">
+      <a:defRPr sz="1200" kern="1200">
+        <a:solidFill>
+          <a:schemeClr val="tx1"/>
+        </a:solidFill>
+        <a:latin typeface="+mn-lt"/>
+        <a:ea typeface="+mn-ea"/>
+        <a:cs typeface="+mn-cs"/>
+      </a:defRPr>
+    </a:lvl1pPr>
+    <a:lvl2pPr marL="457200" algn="l" defTabSz="914400" rtl="0" eaLnBrk="1" latinLnBrk="0" hangingPunct="1">
+      <a:defRPr sz="1200" kern="1200">
+        <a:solidFill>
+          <a:schemeClr val="tx1"/>
+        </a:solidFill>
+        <a:latin typeface="+mn-lt"/>
+        <a:ea typeface="+mn-ea"/>
+        <a:cs typeface="+mn-cs"/>
+      </a:defRPr>
+    </a:lvl2pPr>
+    <a:lvl3pPr marL="914400" algn="l" defTabSz="914400" rtl="0" eaLnBrk="1" latinLnBrk="0" hangingPunct="1">
+      <a:defRPr sz="1200" kern="1200">
+        <a:solidFill>
+          <a:schemeClr val="tx1"/>
+        </a:solidFill>
+        <a:latin typeface="+mn-lt"/>
+        <a:ea typeface="+mn-ea"/>
+        <a:cs typeface="+mn-cs"/>
+      </a:defRPr>
+    </a:lvl3pPr>
+    <a:lvl4pPr marL="1371600" algn="l" defTabSz="914400" rtl="0" eaLnBrk="1" latinLnBrk="0" hangingPunct="1">
+      <a:defRPr sz="1200" kern="1200">
+        <a:solidFill>
+          <a:schemeClr val="tx1"/>
+        </a:solidFill>
+        <a:latin typeface="+mn-lt"/>
+        <a:ea typeface="+mn-ea"/>
+        <a:cs typeface="+mn-cs"/>
+      </a:defRPr>
+    </a:lvl4pPr>
+    <a:lvl5pPr marL="1828800" algn="l" defTabSz="914400" rtl="0" eaLnBrk="1" latinLnBrk="0" hangingPunct="1">
+      <a:defRPr sz="1200" kern="1200">
+        <a:solidFill>
+          <a:schemeClr val="tx1"/>
+        </a:solidFill>
+        <a:latin typeface="+mn-lt"/>
+        <a:ea typeface="+mn-ea"/>
+        <a:cs typeface="+mn-cs"/>
+      </a:defRPr>
+    </a:lvl5pPr>
+    <a:lvl6pPr marL="2286000" algn="l" defTabSz="914400" rtl="0" eaLnBrk="1" latinLnBrk="0" hangingPunct="1">
+      <a:defRPr sz="1200" kern="1200">
+        <a:solidFill>
+          <a:schemeClr val="tx1"/>
+        </a:solidFill>
+        <a:latin typeface="+mn-lt"/>
+        <a:ea typeface="+mn-ea"/>
+        <a:cs typeface="+mn-cs"/>
+      </a:defRPr>
+    </a:lvl6pPr>
+    <a:lvl7pPr marL="2743200" algn="l" defTabSz="914400" rtl="0" eaLnBrk="1" latinLnBrk="0" hangingPunct="1">
+      <a:defRPr sz="1200" kern="1200">
+        <a:solidFill>
+          <a:schemeClr val="tx1"/>
+        </a:solidFill>
+        <a:latin typeface="+mn-lt"/>
+        <a:ea typeface="+mn-ea"/>
+        <a:cs typeface="+mn-cs"/>
+      </a:defRPr>
+    </a:lvl7pPr>
+    <a:lvl8pPr marL="3200400" algn="l" defTabSz="914400" rtl="0" eaLnBrk="1" latinLnBrk="0" hangingPunct="1">
+      <a:defRPr sz="1200" kern="1200">
+        <a:solidFill>
+          <a:schemeClr val="tx1"/>
+        </a:solidFill>
+        <a:latin typeface="+mn-lt"/>
+        <a:ea typeface="+mn-ea"/>
+        <a:cs typeface="+mn-cs"/>
+      </a:defRPr>
+    </a:lvl8pPr>
+    <a:lvl9pPr marL="3657600" algn="l" defTabSz="914400" rtl="0" eaLnBrk="1" latinLnBrk="0" hangingPunct="1">
+      <a:defRPr sz="1200" kern="1200">
+        <a:solidFill>
+          <a:schemeClr val="tx1"/>
+        </a:solidFill>
+        <a:latin typeface="+mn-lt"/>
+        <a:ea typeface="+mn-ea"/>
+        <a:cs typeface="+mn-cs"/>
+      </a:defRPr>
+    </a:lvl9pPr>
+  </p:notesStyle>
+</p:notesMaster>
+</file>
+
+<file path=ppt/notesSlides/notesSlide1.xml><?xml version="1.0" encoding="utf-8"?>
+<p:notes xmlns:a="http://schemas.openxmlformats.org/drawingml/2006/main" xmlns:r="http://schemas.openxmlformats.org/officeDocument/2006/relationships" xmlns:p="http://schemas.openxmlformats.org/presentationml/2006/main">
+  <p:cSld>
+    <p:spTree>
+      <p:nvGrpSpPr>
+        <p:cNvPr id="1" name=""/>
+        <p:cNvGrpSpPr/>
+        <p:nvPr/>
+      </p:nvGrpSpPr>
+      <p:grpSpPr>
+        <a:xfrm>
+          <a:off x="0" y="0"/>
+          <a:ext cx="0" cy="0"/>
+          <a:chOff x="0" y="0"/>
+          <a:chExt cx="0" cy="0"/>
+        </a:xfrm>
+      </p:grpSpPr>
+      <p:sp>
+        <p:nvSpPr>
+          <p:cNvPr id="2" name="幻灯片图像占位符 1"/>
+          <p:cNvSpPr>
+            <a:spLocks noGrp="1" noRot="1" noChangeAspect="1"/>
+          </p:cNvSpPr>
+          <p:nvPr>
+            <p:ph type="sldImg"/>
+          </p:nvPr>
+        </p:nvSpPr>
+        <p:spPr/>
+      </p:sp>
+      <p:sp>
+        <p:nvSpPr>
+          <p:cNvPr id="3" name="备注占位符 2"/>
+          <p:cNvSpPr>
+            <a:spLocks noGrp="1"/>
+          </p:cNvSpPr>
+          <p:nvPr>
+            <p:ph type="body" idx="1"/>
+          </p:nvPr>
+        </p:nvSpPr>
+        <p:spPr/>
+        <p:txBody>
+          <a:bodyPr/>
+          <a:lstStyle/>
+          <a:p>
+            <a:endParaRPr lang="zh-CN" altLang="en-US" dirty="0"/>
+          </a:p>
+        </p:txBody>
+      </p:sp>
+      <p:sp>
+        <p:nvSpPr>
+          <p:cNvPr id="4" name="灯片编号占位符 3"/>
+          <p:cNvSpPr>
+            <a:spLocks noGrp="1"/>
+          </p:cNvSpPr>
+          <p:nvPr>
+            <p:ph type="sldNum" sz="quarter" idx="5"/>
+          </p:nvPr>
+        </p:nvSpPr>
+        <p:spPr/>
+        <p:txBody>
+          <a:bodyPr/>
+          <a:lstStyle/>
+          <a:p>
+            <a:fld id="{6DA88272-91DC-496A-A3A0-F5BB871141C3}" type="slidenum">
+              <a:rPr lang="zh-CN" altLang="en-US" smtClean="0"/>
+              <a:t>2</a:t>
+            </a:fld>
+            <a:endParaRPr lang="zh-CN" altLang="en-US"/>
+          </a:p>
+        </p:txBody>
+      </p:sp>
+    </p:spTree>
+    <p:extLst>
+      <p:ext uri="{BB962C8B-B14F-4D97-AF65-F5344CB8AC3E}">
+        <p14:creationId xmlns:p14="http://schemas.microsoft.com/office/powerpoint/2010/main" val="1114362413"/>
+      </p:ext>
+    </p:extLst>
+  </p:cSld>
+  <p:clrMapOvr>
+    <a:masterClrMapping/>
+  </p:clrMapOvr>
+</p:notes>
+</file>
+
 <file path=ppt/slideLayouts/slideLayout1.xml><?xml version="1.0" encoding="utf-8"?>
 <p:sldLayout xmlns:a="http://schemas.openxmlformats.org/drawingml/2006/main" xmlns:r="http://schemas.openxmlformats.org/officeDocument/2006/relationships" xmlns:p="http://schemas.openxmlformats.org/presentationml/2006/main" type="title" preserve="1">
   <p:cSld name="标题幻灯片">
@@ -259,7 +697,7 @@
           <a:p>
             <a:fld id="{E726BC83-4393-4DB0-BB63-7D0921B05D3E}" type="datetimeFigureOut">
               <a:rPr lang="zh-CN" altLang="en-US" smtClean="0"/>
-              <a:t>2025/10/28</a:t>
+              <a:t>2025/10/29</a:t>
             </a:fld>
             <a:endParaRPr lang="zh-CN" altLang="en-US"/>
           </a:p>
@@ -457,7 +895,7 @@
           <a:p>
             <a:fld id="{E726BC83-4393-4DB0-BB63-7D0921B05D3E}" type="datetimeFigureOut">
               <a:rPr lang="zh-CN" altLang="en-US" smtClean="0"/>
-              <a:t>2025/10/28</a:t>
+              <a:t>2025/10/29</a:t>
             </a:fld>
             <a:endParaRPr lang="zh-CN" altLang="en-US"/>
           </a:p>
@@ -665,7 +1103,7 @@
           <a:p>
             <a:fld id="{E726BC83-4393-4DB0-BB63-7D0921B05D3E}" type="datetimeFigureOut">
               <a:rPr lang="zh-CN" altLang="en-US" smtClean="0"/>
-              <a:t>2025/10/28</a:t>
+              <a:t>2025/10/29</a:t>
             </a:fld>
             <a:endParaRPr lang="zh-CN" altLang="en-US"/>
           </a:p>
@@ -863,7 +1301,7 @@
           <a:p>
             <a:fld id="{E726BC83-4393-4DB0-BB63-7D0921B05D3E}" type="datetimeFigureOut">
               <a:rPr lang="zh-CN" altLang="en-US" smtClean="0"/>
-              <a:t>2025/10/28</a:t>
+              <a:t>2025/10/29</a:t>
             </a:fld>
             <a:endParaRPr lang="zh-CN" altLang="en-US"/>
           </a:p>
@@ -1138,7 +1576,7 @@
           <a:p>
             <a:fld id="{E726BC83-4393-4DB0-BB63-7D0921B05D3E}" type="datetimeFigureOut">
               <a:rPr lang="zh-CN" altLang="en-US" smtClean="0"/>
-              <a:t>2025/10/28</a:t>
+              <a:t>2025/10/29</a:t>
             </a:fld>
             <a:endParaRPr lang="zh-CN" altLang="en-US"/>
           </a:p>
@@ -1403,7 +1841,7 @@
           <a:p>
             <a:fld id="{E726BC83-4393-4DB0-BB63-7D0921B05D3E}" type="datetimeFigureOut">
               <a:rPr lang="zh-CN" altLang="en-US" smtClean="0"/>
-              <a:t>2025/10/28</a:t>
+              <a:t>2025/10/29</a:t>
             </a:fld>
             <a:endParaRPr lang="zh-CN" altLang="en-US"/>
           </a:p>
@@ -1815,7 +2253,7 @@
           <a:p>
             <a:fld id="{E726BC83-4393-4DB0-BB63-7D0921B05D3E}" type="datetimeFigureOut">
               <a:rPr lang="zh-CN" altLang="en-US" smtClean="0"/>
-              <a:t>2025/10/28</a:t>
+              <a:t>2025/10/29</a:t>
             </a:fld>
             <a:endParaRPr lang="zh-CN" altLang="en-US"/>
           </a:p>
@@ -1956,7 +2394,7 @@
           <a:p>
             <a:fld id="{E726BC83-4393-4DB0-BB63-7D0921B05D3E}" type="datetimeFigureOut">
               <a:rPr lang="zh-CN" altLang="en-US" smtClean="0"/>
-              <a:t>2025/10/28</a:t>
+              <a:t>2025/10/29</a:t>
             </a:fld>
             <a:endParaRPr lang="zh-CN" altLang="en-US"/>
           </a:p>
@@ -2069,7 +2507,7 @@
           <a:p>
             <a:fld id="{E726BC83-4393-4DB0-BB63-7D0921B05D3E}" type="datetimeFigureOut">
               <a:rPr lang="zh-CN" altLang="en-US" smtClean="0"/>
-              <a:t>2025/10/28</a:t>
+              <a:t>2025/10/29</a:t>
             </a:fld>
             <a:endParaRPr lang="zh-CN" altLang="en-US"/>
           </a:p>
@@ -2380,7 +2818,7 @@
           <a:p>
             <a:fld id="{E726BC83-4393-4DB0-BB63-7D0921B05D3E}" type="datetimeFigureOut">
               <a:rPr lang="zh-CN" altLang="en-US" smtClean="0"/>
-              <a:t>2025/10/28</a:t>
+              <a:t>2025/10/29</a:t>
             </a:fld>
             <a:endParaRPr lang="zh-CN" altLang="en-US"/>
           </a:p>
@@ -2668,7 +3106,7 @@
           <a:p>
             <a:fld id="{E726BC83-4393-4DB0-BB63-7D0921B05D3E}" type="datetimeFigureOut">
               <a:rPr lang="zh-CN" altLang="en-US" smtClean="0"/>
-              <a:t>2025/10/28</a:t>
+              <a:t>2025/10/29</a:t>
             </a:fld>
             <a:endParaRPr lang="zh-CN" altLang="en-US"/>
           </a:p>
@@ -2909,7 +3347,7 @@
           <a:p>
             <a:fld id="{E726BC83-4393-4DB0-BB63-7D0921B05D3E}" type="datetimeFigureOut">
               <a:rPr lang="zh-CN" altLang="en-US" smtClean="0"/>
-              <a:t>2025/10/28</a:t>
+              <a:t>2025/10/29</a:t>
             </a:fld>
             <a:endParaRPr lang="zh-CN" altLang="en-US"/>
           </a:p>
@@ -4108,8 +4546,8 @@
           </p:sp>
         </mc:Fallback>
       </mc:AlternateContent>
-      <mc:AlternateContent xmlns:mc="http://schemas.openxmlformats.org/markup-compatibility/2006">
-        <mc:Choice xmlns:a14="http://schemas.microsoft.com/office/drawing/2010/main" Requires="a14">
+      <mc:AlternateContent xmlns:mc="http://schemas.openxmlformats.org/markup-compatibility/2006" xmlns:a14="http://schemas.microsoft.com/office/drawing/2010/main">
+        <mc:Choice Requires="a14">
           <p:sp>
             <p:nvSpPr>
               <p:cNvPr id="26" name="文本框 25">
@@ -4263,7 +4701,7 @@
             </p:txBody>
           </p:sp>
         </mc:Choice>
-        <mc:Fallback>
+        <mc:Fallback xmlns="">
           <p:sp>
             <p:nvSpPr>
               <p:cNvPr id="26" name="文本框 25">
@@ -4492,8 +4930,8 @@
           </a:fontRef>
         </p:style>
       </p:cxnSp>
-      <mc:AlternateContent xmlns:mc="http://schemas.openxmlformats.org/markup-compatibility/2006">
-        <mc:Choice xmlns:a14="http://schemas.microsoft.com/office/drawing/2010/main" Requires="a14">
+      <mc:AlternateContent xmlns:mc="http://schemas.openxmlformats.org/markup-compatibility/2006" xmlns:a14="http://schemas.microsoft.com/office/drawing/2010/main">
+        <mc:Choice Requires="a14">
           <p:sp>
             <p:nvSpPr>
               <p:cNvPr id="33" name="文本框 32">
@@ -4562,7 +5000,7 @@
             </p:txBody>
           </p:sp>
         </mc:Choice>
-        <mc:Fallback>
+        <mc:Fallback xmlns="">
           <p:sp>
             <p:nvSpPr>
               <p:cNvPr id="33" name="文本框 32">
@@ -4607,8 +5045,8 @@
           </p:sp>
         </mc:Fallback>
       </mc:AlternateContent>
-      <mc:AlternateContent xmlns:mc="http://schemas.openxmlformats.org/markup-compatibility/2006">
-        <mc:Choice xmlns:a14="http://schemas.microsoft.com/office/drawing/2010/main" Requires="a14">
+      <mc:AlternateContent xmlns:mc="http://schemas.openxmlformats.org/markup-compatibility/2006" xmlns:a14="http://schemas.microsoft.com/office/drawing/2010/main">
+        <mc:Choice Requires="a14">
           <p:sp>
             <p:nvSpPr>
               <p:cNvPr id="34" name="文本框 33">
@@ -4699,7 +5137,7 @@
             </p:txBody>
           </p:sp>
         </mc:Choice>
-        <mc:Fallback>
+        <mc:Fallback xmlns="">
           <p:sp>
             <p:nvSpPr>
               <p:cNvPr id="34" name="文本框 33">
@@ -4859,8 +5297,8 @@
           </p:sp>
         </mc:Fallback>
       </mc:AlternateContent>
-      <mc:AlternateContent xmlns:mc="http://schemas.openxmlformats.org/markup-compatibility/2006">
-        <mc:Choice xmlns:a14="http://schemas.microsoft.com/office/drawing/2010/main" Requires="a14">
+      <mc:AlternateContent xmlns:mc="http://schemas.openxmlformats.org/markup-compatibility/2006" xmlns:a14="http://schemas.microsoft.com/office/drawing/2010/main">
+        <mc:Choice Requires="a14">
           <p:sp>
             <p:nvSpPr>
               <p:cNvPr id="36" name="文本框 35">
@@ -4940,13 +5378,7 @@
                             <a:rPr lang="en-US" altLang="zh-CN" sz="2000" b="0" i="1" smtClean="0">
                               <a:latin typeface="Cambria Math" panose="02040503050406030204" pitchFamily="18" charset="0"/>
                             </a:rPr>
-                            <m:t>,</m:t>
-                          </m:r>
-                          <m:r>
-                            <a:rPr lang="en-US" altLang="zh-CN" sz="2000" b="0" i="1" smtClean="0">
-                              <a:latin typeface="Cambria Math" panose="02040503050406030204" pitchFamily="18" charset="0"/>
-                            </a:rPr>
-                            <m:t> </m:t>
+                            <m:t>, </m:t>
                           </m:r>
                           <m:r>
                             <a:rPr lang="en-US" altLang="zh-CN" sz="2000" b="0" i="1" smtClean="0">
@@ -5178,7 +5610,7 @@
             </p:txBody>
           </p:sp>
         </mc:Choice>
-        <mc:Fallback>
+        <mc:Fallback xmlns="">
           <p:sp>
             <p:nvSpPr>
               <p:cNvPr id="36" name="文本框 35">
@@ -5585,6 +6017,2446 @@
     <p:extLst>
       <p:ext uri="{BB962C8B-B14F-4D97-AF65-F5344CB8AC3E}">
         <p14:creationId xmlns:p14="http://schemas.microsoft.com/office/powerpoint/2010/main" val="688681252"/>
+      </p:ext>
+    </p:extLst>
+  </p:cSld>
+  <p:clrMapOvr>
+    <a:masterClrMapping/>
+  </p:clrMapOvr>
+</p:sld>
+</file>
+
+<file path=ppt/slides/slide2.xml><?xml version="1.0" encoding="utf-8"?>
+<p:sld xmlns:a="http://schemas.openxmlformats.org/drawingml/2006/main" xmlns:r="http://schemas.openxmlformats.org/officeDocument/2006/relationships" xmlns:p="http://schemas.openxmlformats.org/presentationml/2006/main">
+  <p:cSld>
+    <p:spTree>
+      <p:nvGrpSpPr>
+        <p:cNvPr id="1" name=""/>
+        <p:cNvGrpSpPr/>
+        <p:nvPr/>
+      </p:nvGrpSpPr>
+      <p:grpSpPr>
+        <a:xfrm>
+          <a:off x="0" y="0"/>
+          <a:ext cx="0" cy="0"/>
+          <a:chOff x="0" y="0"/>
+          <a:chExt cx="0" cy="0"/>
+        </a:xfrm>
+      </p:grpSpPr>
+      <p:pic>
+        <p:nvPicPr>
+          <p:cNvPr id="15" name="图片 14">
+            <a:extLst>
+              <a:ext uri="{FF2B5EF4-FFF2-40B4-BE49-F238E27FC236}">
+                <a16:creationId xmlns:a16="http://schemas.microsoft.com/office/drawing/2014/main" id="{3FBB34F4-8837-883F-D14F-7C4D8A11F414}"/>
+              </a:ext>
+            </a:extLst>
+          </p:cNvPr>
+          <p:cNvPicPr>
+            <a:picLocks noChangeAspect="1"/>
+          </p:cNvPicPr>
+          <p:nvPr/>
+        </p:nvPicPr>
+        <p:blipFill>
+          <a:blip r:embed="rId3"/>
+          <a:stretch>
+            <a:fillRect/>
+          </a:stretch>
+        </p:blipFill>
+        <p:spPr>
+          <a:xfrm>
+            <a:off x="0" y="112714"/>
+            <a:ext cx="12192000" cy="6033477"/>
+          </a:xfrm>
+          <a:prstGeom prst="rect">
+            <a:avLst/>
+          </a:prstGeom>
+        </p:spPr>
+      </p:pic>
+      <p:sp>
+        <p:nvSpPr>
+          <p:cNvPr id="16" name="椭圆 15">
+            <a:extLst>
+              <a:ext uri="{FF2B5EF4-FFF2-40B4-BE49-F238E27FC236}">
+                <a16:creationId xmlns:a16="http://schemas.microsoft.com/office/drawing/2014/main" id="{6AE0A1F7-0671-4C7E-DB97-5EBFAE72FEE2}"/>
+              </a:ext>
+            </a:extLst>
+          </p:cNvPr>
+          <p:cNvSpPr/>
+          <p:nvPr/>
+        </p:nvSpPr>
+        <p:spPr>
+          <a:xfrm>
+            <a:off x="378590" y="112714"/>
+            <a:ext cx="1615310" cy="6114660"/>
+          </a:xfrm>
+          <a:prstGeom prst="ellipse">
+            <a:avLst/>
+          </a:prstGeom>
+          <a:solidFill>
+            <a:srgbClr val="00B0F0">
+              <a:alpha val="8000"/>
+            </a:srgbClr>
+          </a:solidFill>
+          <a:ln>
+            <a:noFill/>
+          </a:ln>
+        </p:spPr>
+        <p:style>
+          <a:lnRef idx="2">
+            <a:schemeClr val="accent1">
+              <a:shade val="15000"/>
+            </a:schemeClr>
+          </a:lnRef>
+          <a:fillRef idx="1">
+            <a:schemeClr val="accent1"/>
+          </a:fillRef>
+          <a:effectRef idx="0">
+            <a:schemeClr val="accent1"/>
+          </a:effectRef>
+          <a:fontRef idx="minor">
+            <a:schemeClr val="lt1"/>
+          </a:fontRef>
+        </p:style>
+        <p:txBody>
+          <a:bodyPr rtlCol="0" anchor="ctr"/>
+          <a:lstStyle/>
+          <a:p>
+            <a:pPr algn="ctr"/>
+            <a:endParaRPr lang="zh-CN" altLang="en-US"/>
+          </a:p>
+        </p:txBody>
+      </p:sp>
+      <p:sp>
+        <p:nvSpPr>
+          <p:cNvPr id="17" name="椭圆 16">
+            <a:extLst>
+              <a:ext uri="{FF2B5EF4-FFF2-40B4-BE49-F238E27FC236}">
+                <a16:creationId xmlns:a16="http://schemas.microsoft.com/office/drawing/2014/main" id="{124275FE-2C9F-7D9B-8F0E-D2CCD090357C}"/>
+              </a:ext>
+            </a:extLst>
+          </p:cNvPr>
+          <p:cNvSpPr/>
+          <p:nvPr/>
+        </p:nvSpPr>
+        <p:spPr>
+          <a:xfrm>
+            <a:off x="10350720" y="112714"/>
+            <a:ext cx="1615309" cy="6114660"/>
+          </a:xfrm>
+          <a:prstGeom prst="ellipse">
+            <a:avLst/>
+          </a:prstGeom>
+          <a:solidFill>
+            <a:schemeClr val="accent2">
+              <a:alpha val="8000"/>
+            </a:schemeClr>
+          </a:solidFill>
+          <a:ln>
+            <a:noFill/>
+          </a:ln>
+        </p:spPr>
+        <p:style>
+          <a:lnRef idx="2">
+            <a:schemeClr val="accent1">
+              <a:shade val="15000"/>
+            </a:schemeClr>
+          </a:lnRef>
+          <a:fillRef idx="1">
+            <a:schemeClr val="accent1"/>
+          </a:fillRef>
+          <a:effectRef idx="0">
+            <a:schemeClr val="accent1"/>
+          </a:effectRef>
+          <a:fontRef idx="minor">
+            <a:schemeClr val="lt1"/>
+          </a:fontRef>
+        </p:style>
+        <p:txBody>
+          <a:bodyPr rtlCol="0" anchor="ctr"/>
+          <a:lstStyle/>
+          <a:p>
+            <a:pPr algn="ctr"/>
+            <a:endParaRPr lang="zh-CN" altLang="en-US"/>
+          </a:p>
+        </p:txBody>
+      </p:sp>
+      <mc:AlternateContent xmlns:mc="http://schemas.openxmlformats.org/markup-compatibility/2006">
+        <mc:Choice xmlns:a14="http://schemas.microsoft.com/office/drawing/2010/main" Requires="a14">
+          <p:sp>
+            <p:nvSpPr>
+              <p:cNvPr id="18" name="文本框 17">
+                <a:extLst>
+                  <a:ext uri="{FF2B5EF4-FFF2-40B4-BE49-F238E27FC236}">
+                    <a16:creationId xmlns:a16="http://schemas.microsoft.com/office/drawing/2014/main" id="{3A53FBA8-3DD0-05B9-B08A-3044E14E81D6}"/>
+                  </a:ext>
+                </a:extLst>
+              </p:cNvPr>
+              <p:cNvSpPr txBox="1"/>
+              <p:nvPr/>
+            </p:nvSpPr>
+            <p:spPr>
+              <a:xfrm>
+                <a:off x="889563" y="6375954"/>
+                <a:ext cx="528285" cy="307777"/>
+              </a:xfrm>
+              <a:prstGeom prst="rect">
+                <a:avLst/>
+              </a:prstGeom>
+              <a:noFill/>
+            </p:spPr>
+            <p:txBody>
+              <a:bodyPr wrap="none" lIns="0" tIns="0" rIns="0" bIns="0" rtlCol="0">
+                <a:spAutoFit/>
+              </a:bodyPr>
+              <a:lstStyle/>
+              <a:p>
+                <a14:m>
+                  <m:oMathPara xmlns:m="http://schemas.openxmlformats.org/officeDocument/2006/math">
+                    <m:oMathParaPr>
+                      <m:jc m:val="centerGroup"/>
+                    </m:oMathParaPr>
+                    <m:oMath xmlns:m="http://schemas.openxmlformats.org/officeDocument/2006/math">
+                      <m:sSub>
+                        <m:sSubPr>
+                          <m:ctrlPr>
+                            <a:rPr lang="en-US" altLang="zh-CN" sz="2000" i="1" smtClean="0">
+                              <a:latin typeface="Cambria Math" panose="02040503050406030204" pitchFamily="18" charset="0"/>
+                            </a:rPr>
+                          </m:ctrlPr>
+                        </m:sSubPr>
+                        <m:e>
+                          <m:r>
+                            <a:rPr lang="en-US" altLang="zh-CN" sz="2000" b="0" i="1" smtClean="0">
+                              <a:latin typeface="Cambria Math" panose="02040503050406030204" pitchFamily="18" charset="0"/>
+                            </a:rPr>
+                            <m:t>𝑝</m:t>
+                          </m:r>
+                        </m:e>
+                        <m:sub>
+                          <m:r>
+                            <m:rPr>
+                              <m:sty m:val="p"/>
+                            </m:rPr>
+                            <a:rPr lang="en-US" altLang="zh-CN" sz="2000" b="0" i="0" smtClean="0">
+                              <a:latin typeface="Cambria Math" panose="02040503050406030204" pitchFamily="18" charset="0"/>
+                            </a:rPr>
+                            <m:t>init</m:t>
+                          </m:r>
+                        </m:sub>
+                      </m:sSub>
+                    </m:oMath>
+                  </m:oMathPara>
+                </a14:m>
+                <a:endParaRPr lang="zh-CN" altLang="en-US" sz="2000" dirty="0"/>
+              </a:p>
+            </p:txBody>
+          </p:sp>
+        </mc:Choice>
+        <mc:Fallback>
+          <p:sp>
+            <p:nvSpPr>
+              <p:cNvPr id="18" name="文本框 17">
+                <a:extLst>
+                  <a:ext uri="{FF2B5EF4-FFF2-40B4-BE49-F238E27FC236}">
+                    <a16:creationId xmlns:a16="http://schemas.microsoft.com/office/drawing/2014/main" id="{3A53FBA8-3DD0-05B9-B08A-3044E14E81D6}"/>
+                  </a:ext>
+                </a:extLst>
+              </p:cNvPr>
+              <p:cNvSpPr txBox="1">
+                <a:spLocks noRot="1" noChangeAspect="1" noMove="1" noResize="1" noEditPoints="1" noAdjustHandles="1" noChangeArrowheads="1" noChangeShapeType="1" noTextEdit="1"/>
+              </p:cNvSpPr>
+              <p:nvPr/>
+            </p:nvSpPr>
+            <p:spPr>
+              <a:xfrm>
+                <a:off x="889563" y="6375954"/>
+                <a:ext cx="528285" cy="307777"/>
+              </a:xfrm>
+              <a:prstGeom prst="rect">
+                <a:avLst/>
+              </a:prstGeom>
+              <a:blipFill>
+                <a:blip r:embed="rId4"/>
+                <a:stretch>
+                  <a:fillRect l="-10345" r="-3448" b="-26000"/>
+                </a:stretch>
+              </a:blipFill>
+            </p:spPr>
+            <p:txBody>
+              <a:bodyPr/>
+              <a:lstStyle/>
+              <a:p>
+                <a:r>
+                  <a:rPr lang="zh-CN" altLang="en-US">
+                    <a:noFill/>
+                  </a:rPr>
+                  <a:t> </a:t>
+                </a:r>
+              </a:p>
+            </p:txBody>
+          </p:sp>
+        </mc:Fallback>
+      </mc:AlternateContent>
+      <mc:AlternateContent xmlns:mc="http://schemas.openxmlformats.org/markup-compatibility/2006">
+        <mc:Choice xmlns:a14="http://schemas.microsoft.com/office/drawing/2010/main" Requires="a14">
+          <p:sp>
+            <p:nvSpPr>
+              <p:cNvPr id="19" name="文本框 18">
+                <a:extLst>
+                  <a:ext uri="{FF2B5EF4-FFF2-40B4-BE49-F238E27FC236}">
+                    <a16:creationId xmlns:a16="http://schemas.microsoft.com/office/drawing/2014/main" id="{2FA9D922-5BF9-F61E-123F-A93E0F75936F}"/>
+                  </a:ext>
+                </a:extLst>
+              </p:cNvPr>
+              <p:cNvSpPr txBox="1"/>
+              <p:nvPr/>
+            </p:nvSpPr>
+            <p:spPr>
+              <a:xfrm>
+                <a:off x="11038294" y="6375954"/>
+                <a:ext cx="614848" cy="307777"/>
+              </a:xfrm>
+              <a:prstGeom prst="rect">
+                <a:avLst/>
+              </a:prstGeom>
+              <a:noFill/>
+            </p:spPr>
+            <p:txBody>
+              <a:bodyPr wrap="none" lIns="0" tIns="0" rIns="0" bIns="0" rtlCol="0">
+                <a:spAutoFit/>
+              </a:bodyPr>
+              <a:lstStyle/>
+              <a:p>
+                <a14:m>
+                  <m:oMathPara xmlns:m="http://schemas.openxmlformats.org/officeDocument/2006/math">
+                    <m:oMathParaPr>
+                      <m:jc m:val="centerGroup"/>
+                    </m:oMathParaPr>
+                    <m:oMath xmlns:m="http://schemas.openxmlformats.org/officeDocument/2006/math">
+                      <m:sSub>
+                        <m:sSubPr>
+                          <m:ctrlPr>
+                            <a:rPr lang="en-US" altLang="zh-CN" sz="2000" i="1" smtClean="0">
+                              <a:latin typeface="Cambria Math" panose="02040503050406030204" pitchFamily="18" charset="0"/>
+                            </a:rPr>
+                          </m:ctrlPr>
+                        </m:sSubPr>
+                        <m:e>
+                          <m:r>
+                            <a:rPr lang="en-US" altLang="zh-CN" sz="2000" b="0" i="1" smtClean="0">
+                              <a:latin typeface="Cambria Math" panose="02040503050406030204" pitchFamily="18" charset="0"/>
+                            </a:rPr>
+                            <m:t>𝑝</m:t>
+                          </m:r>
+                        </m:e>
+                        <m:sub>
+                          <m:r>
+                            <m:rPr>
+                              <m:sty m:val="p"/>
+                            </m:rPr>
+                            <a:rPr lang="en-US" altLang="zh-CN" sz="2000" b="0" i="0" smtClean="0">
+                              <a:latin typeface="Cambria Math" panose="02040503050406030204" pitchFamily="18" charset="0"/>
+                            </a:rPr>
+                            <m:t>data</m:t>
+                          </m:r>
+                        </m:sub>
+                      </m:sSub>
+                    </m:oMath>
+                  </m:oMathPara>
+                </a14:m>
+                <a:endParaRPr lang="zh-CN" altLang="en-US" sz="2000" dirty="0"/>
+              </a:p>
+            </p:txBody>
+          </p:sp>
+        </mc:Choice>
+        <mc:Fallback>
+          <p:sp>
+            <p:nvSpPr>
+              <p:cNvPr id="19" name="文本框 18">
+                <a:extLst>
+                  <a:ext uri="{FF2B5EF4-FFF2-40B4-BE49-F238E27FC236}">
+                    <a16:creationId xmlns:a16="http://schemas.microsoft.com/office/drawing/2014/main" id="{2FA9D922-5BF9-F61E-123F-A93E0F75936F}"/>
+                  </a:ext>
+                </a:extLst>
+              </p:cNvPr>
+              <p:cNvSpPr txBox="1">
+                <a:spLocks noRot="1" noChangeAspect="1" noMove="1" noResize="1" noEditPoints="1" noAdjustHandles="1" noChangeArrowheads="1" noChangeShapeType="1" noTextEdit="1"/>
+              </p:cNvSpPr>
+              <p:nvPr/>
+            </p:nvSpPr>
+            <p:spPr>
+              <a:xfrm>
+                <a:off x="11038294" y="6375954"/>
+                <a:ext cx="614848" cy="307777"/>
+              </a:xfrm>
+              <a:prstGeom prst="rect">
+                <a:avLst/>
+              </a:prstGeom>
+              <a:blipFill>
+                <a:blip r:embed="rId5"/>
+                <a:stretch>
+                  <a:fillRect l="-8911" r="-2970" b="-26000"/>
+                </a:stretch>
+              </a:blipFill>
+            </p:spPr>
+            <p:txBody>
+              <a:bodyPr/>
+              <a:lstStyle/>
+              <a:p>
+                <a:r>
+                  <a:rPr lang="zh-CN" altLang="en-US">
+                    <a:noFill/>
+                  </a:rPr>
+                  <a:t> </a:t>
+                </a:r>
+              </a:p>
+            </p:txBody>
+          </p:sp>
+        </mc:Fallback>
+      </mc:AlternateContent>
+      <mc:AlternateContent xmlns:mc="http://schemas.openxmlformats.org/markup-compatibility/2006">
+        <mc:Choice xmlns:a14="http://schemas.microsoft.com/office/drawing/2010/main" Requires="a14">
+          <p:sp>
+            <p:nvSpPr>
+              <p:cNvPr id="20" name="文本框 19">
+                <a:extLst>
+                  <a:ext uri="{FF2B5EF4-FFF2-40B4-BE49-F238E27FC236}">
+                    <a16:creationId xmlns:a16="http://schemas.microsoft.com/office/drawing/2014/main" id="{947AED77-6AF9-A923-5B56-F3251638DFEB}"/>
+                  </a:ext>
+                </a:extLst>
+              </p:cNvPr>
+              <p:cNvSpPr txBox="1"/>
+              <p:nvPr/>
+            </p:nvSpPr>
+            <p:spPr>
+              <a:xfrm>
+                <a:off x="684411" y="895904"/>
+                <a:ext cx="340863" cy="307777"/>
+              </a:xfrm>
+              <a:prstGeom prst="rect">
+                <a:avLst/>
+              </a:prstGeom>
+              <a:noFill/>
+            </p:spPr>
+            <p:txBody>
+              <a:bodyPr wrap="none" lIns="0" tIns="0" rIns="0" bIns="0" rtlCol="0">
+                <a:spAutoFit/>
+              </a:bodyPr>
+              <a:lstStyle/>
+              <a:p>
+                <a14:m>
+                  <m:oMathPara xmlns:m="http://schemas.openxmlformats.org/officeDocument/2006/math">
+                    <m:oMathParaPr>
+                      <m:jc m:val="centerGroup"/>
+                    </m:oMathParaPr>
+                    <m:oMath xmlns:m="http://schemas.openxmlformats.org/officeDocument/2006/math">
+                      <m:sSub>
+                        <m:sSubPr>
+                          <m:ctrlPr>
+                            <a:rPr lang="en-US" altLang="zh-CN" sz="2000" b="1" i="1" smtClean="0">
+                              <a:latin typeface="Cambria Math" panose="02040503050406030204" pitchFamily="18" charset="0"/>
+                            </a:rPr>
+                          </m:ctrlPr>
+                        </m:sSubPr>
+                        <m:e>
+                          <m:r>
+                            <a:rPr lang="en-US" altLang="zh-CN" sz="2000" b="1" i="1" smtClean="0">
+                              <a:latin typeface="Cambria Math" panose="02040503050406030204" pitchFamily="18" charset="0"/>
+                            </a:rPr>
+                            <m:t>𝒙</m:t>
+                          </m:r>
+                        </m:e>
+                        <m:sub>
+                          <m:r>
+                            <a:rPr lang="en-US" altLang="zh-CN" sz="2000" b="1" i="0" smtClean="0">
+                              <a:latin typeface="Cambria Math" panose="02040503050406030204" pitchFamily="18" charset="0"/>
+                            </a:rPr>
+                            <m:t>𝟎</m:t>
+                          </m:r>
+                        </m:sub>
+                      </m:sSub>
+                    </m:oMath>
+                  </m:oMathPara>
+                </a14:m>
+                <a:endParaRPr lang="zh-CN" altLang="en-US" sz="2000" b="1" dirty="0"/>
+              </a:p>
+            </p:txBody>
+          </p:sp>
+        </mc:Choice>
+        <mc:Fallback>
+          <p:sp>
+            <p:nvSpPr>
+              <p:cNvPr id="20" name="文本框 19">
+                <a:extLst>
+                  <a:ext uri="{FF2B5EF4-FFF2-40B4-BE49-F238E27FC236}">
+                    <a16:creationId xmlns:a16="http://schemas.microsoft.com/office/drawing/2014/main" id="{947AED77-6AF9-A923-5B56-F3251638DFEB}"/>
+                  </a:ext>
+                </a:extLst>
+              </p:cNvPr>
+              <p:cNvSpPr txBox="1">
+                <a:spLocks noRot="1" noChangeAspect="1" noMove="1" noResize="1" noEditPoints="1" noAdjustHandles="1" noChangeArrowheads="1" noChangeShapeType="1" noTextEdit="1"/>
+              </p:cNvSpPr>
+              <p:nvPr/>
+            </p:nvSpPr>
+            <p:spPr>
+              <a:xfrm>
+                <a:off x="684411" y="895904"/>
+                <a:ext cx="340863" cy="307777"/>
+              </a:xfrm>
+              <a:prstGeom prst="rect">
+                <a:avLst/>
+              </a:prstGeom>
+              <a:blipFill>
+                <a:blip r:embed="rId6"/>
+                <a:stretch>
+                  <a:fillRect l="-8929" r="-5357" b="-16000"/>
+                </a:stretch>
+              </a:blipFill>
+            </p:spPr>
+            <p:txBody>
+              <a:bodyPr/>
+              <a:lstStyle/>
+              <a:p>
+                <a:r>
+                  <a:rPr lang="zh-CN" altLang="en-US">
+                    <a:noFill/>
+                  </a:rPr>
+                  <a:t> </a:t>
+                </a:r>
+              </a:p>
+            </p:txBody>
+          </p:sp>
+        </mc:Fallback>
+      </mc:AlternateContent>
+      <mc:AlternateContent xmlns:mc="http://schemas.openxmlformats.org/markup-compatibility/2006">
+        <mc:Choice xmlns:a14="http://schemas.microsoft.com/office/drawing/2010/main" Requires="a14">
+          <p:sp>
+            <p:nvSpPr>
+              <p:cNvPr id="21" name="文本框 20">
+                <a:extLst>
+                  <a:ext uri="{FF2B5EF4-FFF2-40B4-BE49-F238E27FC236}">
+                    <a16:creationId xmlns:a16="http://schemas.microsoft.com/office/drawing/2014/main" id="{31836607-B1E8-C473-343D-FEE8B065C597}"/>
+                  </a:ext>
+                </a:extLst>
+              </p:cNvPr>
+              <p:cNvSpPr txBox="1"/>
+              <p:nvPr/>
+            </p:nvSpPr>
+            <p:spPr>
+              <a:xfrm>
+                <a:off x="11140566" y="895904"/>
+                <a:ext cx="340863" cy="307777"/>
+              </a:xfrm>
+              <a:prstGeom prst="rect">
+                <a:avLst/>
+              </a:prstGeom>
+              <a:noFill/>
+            </p:spPr>
+            <p:txBody>
+              <a:bodyPr wrap="none" lIns="0" tIns="0" rIns="0" bIns="0" rtlCol="0">
+                <a:spAutoFit/>
+              </a:bodyPr>
+              <a:lstStyle/>
+              <a:p>
+                <a14:m>
+                  <m:oMathPara xmlns:m="http://schemas.openxmlformats.org/officeDocument/2006/math">
+                    <m:oMathParaPr>
+                      <m:jc m:val="centerGroup"/>
+                    </m:oMathParaPr>
+                    <m:oMath xmlns:m="http://schemas.openxmlformats.org/officeDocument/2006/math">
+                      <m:sSub>
+                        <m:sSubPr>
+                          <m:ctrlPr>
+                            <a:rPr lang="en-US" altLang="zh-CN" sz="2000" b="1" i="1" smtClean="0">
+                              <a:latin typeface="Cambria Math" panose="02040503050406030204" pitchFamily="18" charset="0"/>
+                            </a:rPr>
+                          </m:ctrlPr>
+                        </m:sSubPr>
+                        <m:e>
+                          <m:r>
+                            <a:rPr lang="en-US" altLang="zh-CN" sz="2000" b="1" i="1" smtClean="0">
+                              <a:latin typeface="Cambria Math" panose="02040503050406030204" pitchFamily="18" charset="0"/>
+                            </a:rPr>
+                            <m:t>𝒙</m:t>
+                          </m:r>
+                        </m:e>
+                        <m:sub>
+                          <m:r>
+                            <a:rPr lang="en-US" altLang="zh-CN" sz="2000" b="1" i="1" smtClean="0">
+                              <a:latin typeface="Cambria Math" panose="02040503050406030204" pitchFamily="18" charset="0"/>
+                            </a:rPr>
+                            <m:t>𝟏</m:t>
+                          </m:r>
+                        </m:sub>
+                      </m:sSub>
+                    </m:oMath>
+                  </m:oMathPara>
+                </a14:m>
+                <a:endParaRPr lang="zh-CN" altLang="en-US" sz="2000" b="1" dirty="0"/>
+              </a:p>
+            </p:txBody>
+          </p:sp>
+        </mc:Choice>
+        <mc:Fallback>
+          <p:sp>
+            <p:nvSpPr>
+              <p:cNvPr id="21" name="文本框 20">
+                <a:extLst>
+                  <a:ext uri="{FF2B5EF4-FFF2-40B4-BE49-F238E27FC236}">
+                    <a16:creationId xmlns:a16="http://schemas.microsoft.com/office/drawing/2014/main" id="{31836607-B1E8-C473-343D-FEE8B065C597}"/>
+                  </a:ext>
+                </a:extLst>
+              </p:cNvPr>
+              <p:cNvSpPr txBox="1">
+                <a:spLocks noRot="1" noChangeAspect="1" noMove="1" noResize="1" noEditPoints="1" noAdjustHandles="1" noChangeArrowheads="1" noChangeShapeType="1" noTextEdit="1"/>
+              </p:cNvSpPr>
+              <p:nvPr/>
+            </p:nvSpPr>
+            <p:spPr>
+              <a:xfrm>
+                <a:off x="11140566" y="895904"/>
+                <a:ext cx="340863" cy="307777"/>
+              </a:xfrm>
+              <a:prstGeom prst="rect">
+                <a:avLst/>
+              </a:prstGeom>
+              <a:blipFill>
+                <a:blip r:embed="rId7"/>
+                <a:stretch>
+                  <a:fillRect l="-9091" r="-5455" b="-16000"/>
+                </a:stretch>
+              </a:blipFill>
+            </p:spPr>
+            <p:txBody>
+              <a:bodyPr/>
+              <a:lstStyle/>
+              <a:p>
+                <a:r>
+                  <a:rPr lang="zh-CN" altLang="en-US">
+                    <a:noFill/>
+                  </a:rPr>
+                  <a:t> </a:t>
+                </a:r>
+              </a:p>
+            </p:txBody>
+          </p:sp>
+        </mc:Fallback>
+      </mc:AlternateContent>
+      <p:cxnSp>
+        <p:nvCxnSpPr>
+          <p:cNvPr id="23" name="直接箭头连接符 22">
+            <a:extLst>
+              <a:ext uri="{FF2B5EF4-FFF2-40B4-BE49-F238E27FC236}">
+                <a16:creationId xmlns:a16="http://schemas.microsoft.com/office/drawing/2014/main" id="{4999236C-6B47-7378-C799-507F26FCAB88}"/>
+              </a:ext>
+            </a:extLst>
+          </p:cNvPr>
+          <p:cNvCxnSpPr>
+            <a:cxnSpLocks/>
+          </p:cNvCxnSpPr>
+          <p:nvPr/>
+        </p:nvCxnSpPr>
+        <p:spPr>
+          <a:xfrm>
+            <a:off x="1206061" y="506414"/>
+            <a:ext cx="10005850" cy="0"/>
+          </a:xfrm>
+          <a:prstGeom prst="straightConnector1">
+            <a:avLst/>
+          </a:prstGeom>
+          <a:ln w="28575">
+            <a:solidFill>
+              <a:schemeClr val="tx1"/>
+            </a:solidFill>
+            <a:tailEnd type="triangle"/>
+          </a:ln>
+        </p:spPr>
+        <p:style>
+          <a:lnRef idx="2">
+            <a:schemeClr val="accent1"/>
+          </a:lnRef>
+          <a:fillRef idx="0">
+            <a:schemeClr val="accent1"/>
+          </a:fillRef>
+          <a:effectRef idx="1">
+            <a:schemeClr val="accent1"/>
+          </a:effectRef>
+          <a:fontRef idx="minor">
+            <a:schemeClr val="tx1"/>
+          </a:fontRef>
+        </p:style>
+      </p:cxnSp>
+      <mc:AlternateContent xmlns:mc="http://schemas.openxmlformats.org/markup-compatibility/2006">
+        <mc:Choice xmlns:a14="http://schemas.microsoft.com/office/drawing/2010/main" Requires="a14">
+          <p:sp>
+            <p:nvSpPr>
+              <p:cNvPr id="25" name="文本框 24">
+                <a:extLst>
+                  <a:ext uri="{FF2B5EF4-FFF2-40B4-BE49-F238E27FC236}">
+                    <a16:creationId xmlns:a16="http://schemas.microsoft.com/office/drawing/2014/main" id="{C98CF755-0A46-0DFF-E60F-B7B15F1DED88}"/>
+                  </a:ext>
+                </a:extLst>
+              </p:cNvPr>
+              <p:cNvSpPr txBox="1"/>
+              <p:nvPr/>
+            </p:nvSpPr>
+            <p:spPr>
+              <a:xfrm>
+                <a:off x="1123280" y="112714"/>
+                <a:ext cx="589136" cy="276999"/>
+              </a:xfrm>
+              <a:prstGeom prst="rect">
+                <a:avLst/>
+              </a:prstGeom>
+              <a:noFill/>
+            </p:spPr>
+            <p:txBody>
+              <a:bodyPr wrap="none" lIns="0" tIns="0" rIns="0" bIns="0" rtlCol="0">
+                <a:spAutoFit/>
+              </a:bodyPr>
+              <a:lstStyle/>
+              <a:p>
+                <a14:m>
+                  <m:oMathPara xmlns:m="http://schemas.openxmlformats.org/officeDocument/2006/math">
+                    <m:oMathParaPr>
+                      <m:jc m:val="centerGroup"/>
+                    </m:oMathParaPr>
+                    <m:oMath xmlns:m="http://schemas.openxmlformats.org/officeDocument/2006/math">
+                      <m:r>
+                        <a:rPr lang="en-US" altLang="zh-CN" b="0" i="1" smtClean="0">
+                          <a:latin typeface="Cambria Math" panose="02040503050406030204" pitchFamily="18" charset="0"/>
+                        </a:rPr>
+                        <m:t>𝑡</m:t>
+                      </m:r>
+                      <m:r>
+                        <a:rPr lang="en-US" altLang="zh-CN" b="0" i="1" smtClean="0">
+                          <a:latin typeface="Cambria Math" panose="02040503050406030204" pitchFamily="18" charset="0"/>
+                        </a:rPr>
+                        <m:t>=0</m:t>
+                      </m:r>
+                    </m:oMath>
+                  </m:oMathPara>
+                </a14:m>
+                <a:endParaRPr lang="zh-CN" altLang="en-US" dirty="0"/>
+              </a:p>
+            </p:txBody>
+          </p:sp>
+        </mc:Choice>
+        <mc:Fallback>
+          <p:sp>
+            <p:nvSpPr>
+              <p:cNvPr id="25" name="文本框 24">
+                <a:extLst>
+                  <a:ext uri="{FF2B5EF4-FFF2-40B4-BE49-F238E27FC236}">
+                    <a16:creationId xmlns:a16="http://schemas.microsoft.com/office/drawing/2014/main" id="{C98CF755-0A46-0DFF-E60F-B7B15F1DED88}"/>
+                  </a:ext>
+                </a:extLst>
+              </p:cNvPr>
+              <p:cNvSpPr txBox="1">
+                <a:spLocks noRot="1" noChangeAspect="1" noMove="1" noResize="1" noEditPoints="1" noAdjustHandles="1" noChangeArrowheads="1" noChangeShapeType="1" noTextEdit="1"/>
+              </p:cNvSpPr>
+              <p:nvPr/>
+            </p:nvSpPr>
+            <p:spPr>
+              <a:xfrm>
+                <a:off x="1123280" y="112714"/>
+                <a:ext cx="589136" cy="276999"/>
+              </a:xfrm>
+              <a:prstGeom prst="rect">
+                <a:avLst/>
+              </a:prstGeom>
+              <a:blipFill>
+                <a:blip r:embed="rId8"/>
+                <a:stretch>
+                  <a:fillRect l="-6186" r="-8247" b="-6522"/>
+                </a:stretch>
+              </a:blipFill>
+            </p:spPr>
+            <p:txBody>
+              <a:bodyPr/>
+              <a:lstStyle/>
+              <a:p>
+                <a:r>
+                  <a:rPr lang="zh-CN" altLang="en-US">
+                    <a:noFill/>
+                  </a:rPr>
+                  <a:t> </a:t>
+                </a:r>
+              </a:p>
+            </p:txBody>
+          </p:sp>
+        </mc:Fallback>
+      </mc:AlternateContent>
+      <mc:AlternateContent xmlns:mc="http://schemas.openxmlformats.org/markup-compatibility/2006">
+        <mc:Choice xmlns:a14="http://schemas.microsoft.com/office/drawing/2010/main" Requires="a14">
+          <p:sp>
+            <p:nvSpPr>
+              <p:cNvPr id="26" name="文本框 25">
+                <a:extLst>
+                  <a:ext uri="{FF2B5EF4-FFF2-40B4-BE49-F238E27FC236}">
+                    <a16:creationId xmlns:a16="http://schemas.microsoft.com/office/drawing/2014/main" id="{DD989E7B-B6D5-8FB3-C002-89294FA2DAFD}"/>
+                  </a:ext>
+                </a:extLst>
+              </p:cNvPr>
+              <p:cNvSpPr txBox="1"/>
+              <p:nvPr/>
+            </p:nvSpPr>
+            <p:spPr>
+              <a:xfrm>
+                <a:off x="10845998" y="112714"/>
+                <a:ext cx="589136" cy="276999"/>
+              </a:xfrm>
+              <a:prstGeom prst="rect">
+                <a:avLst/>
+              </a:prstGeom>
+              <a:noFill/>
+            </p:spPr>
+            <p:txBody>
+              <a:bodyPr wrap="none" lIns="0" tIns="0" rIns="0" bIns="0" rtlCol="0">
+                <a:spAutoFit/>
+              </a:bodyPr>
+              <a:lstStyle/>
+              <a:p>
+                <a14:m>
+                  <m:oMathPara xmlns:m="http://schemas.openxmlformats.org/officeDocument/2006/math">
+                    <m:oMathParaPr>
+                      <m:jc m:val="centerGroup"/>
+                    </m:oMathParaPr>
+                    <m:oMath xmlns:m="http://schemas.openxmlformats.org/officeDocument/2006/math">
+                      <m:r>
+                        <a:rPr lang="en-US" altLang="zh-CN" b="0" i="1" smtClean="0">
+                          <a:latin typeface="Cambria Math" panose="02040503050406030204" pitchFamily="18" charset="0"/>
+                        </a:rPr>
+                        <m:t>𝑡</m:t>
+                      </m:r>
+                      <m:r>
+                        <a:rPr lang="en-US" altLang="zh-CN" b="0" i="1" smtClean="0">
+                          <a:latin typeface="Cambria Math" panose="02040503050406030204" pitchFamily="18" charset="0"/>
+                        </a:rPr>
+                        <m:t>=0</m:t>
+                      </m:r>
+                    </m:oMath>
+                  </m:oMathPara>
+                </a14:m>
+                <a:endParaRPr lang="zh-CN" altLang="en-US" dirty="0"/>
+              </a:p>
+            </p:txBody>
+          </p:sp>
+        </mc:Choice>
+        <mc:Fallback>
+          <p:sp>
+            <p:nvSpPr>
+              <p:cNvPr id="26" name="文本框 25">
+                <a:extLst>
+                  <a:ext uri="{FF2B5EF4-FFF2-40B4-BE49-F238E27FC236}">
+                    <a16:creationId xmlns:a16="http://schemas.microsoft.com/office/drawing/2014/main" id="{DD989E7B-B6D5-8FB3-C002-89294FA2DAFD}"/>
+                  </a:ext>
+                </a:extLst>
+              </p:cNvPr>
+              <p:cNvSpPr txBox="1">
+                <a:spLocks noRot="1" noChangeAspect="1" noMove="1" noResize="1" noEditPoints="1" noAdjustHandles="1" noChangeArrowheads="1" noChangeShapeType="1" noTextEdit="1"/>
+              </p:cNvSpPr>
+              <p:nvPr/>
+            </p:nvSpPr>
+            <p:spPr>
+              <a:xfrm>
+                <a:off x="10845998" y="112714"/>
+                <a:ext cx="589136" cy="276999"/>
+              </a:xfrm>
+              <a:prstGeom prst="rect">
+                <a:avLst/>
+              </a:prstGeom>
+              <a:blipFill>
+                <a:blip r:embed="rId9"/>
+                <a:stretch>
+                  <a:fillRect l="-6186" r="-8247" b="-6522"/>
+                </a:stretch>
+              </a:blipFill>
+            </p:spPr>
+            <p:txBody>
+              <a:bodyPr/>
+              <a:lstStyle/>
+              <a:p>
+                <a:r>
+                  <a:rPr lang="zh-CN" altLang="en-US">
+                    <a:noFill/>
+                  </a:rPr>
+                  <a:t> </a:t>
+                </a:r>
+              </a:p>
+            </p:txBody>
+          </p:sp>
+        </mc:Fallback>
+      </mc:AlternateContent>
+      <mc:AlternateContent xmlns:mc="http://schemas.openxmlformats.org/markup-compatibility/2006">
+        <mc:Choice xmlns:a14="http://schemas.microsoft.com/office/drawing/2010/main" Requires="a14">
+          <p:sp>
+            <p:nvSpPr>
+              <p:cNvPr id="27" name="文本框 26">
+                <a:extLst>
+                  <a:ext uri="{FF2B5EF4-FFF2-40B4-BE49-F238E27FC236}">
+                    <a16:creationId xmlns:a16="http://schemas.microsoft.com/office/drawing/2014/main" id="{16431D41-B7B8-9009-56BC-36320AAAF1D5}"/>
+                  </a:ext>
+                </a:extLst>
+              </p:cNvPr>
+              <p:cNvSpPr txBox="1"/>
+              <p:nvPr/>
+            </p:nvSpPr>
+            <p:spPr>
+              <a:xfrm>
+                <a:off x="5095595" y="56341"/>
+                <a:ext cx="159531" cy="276999"/>
+              </a:xfrm>
+              <a:prstGeom prst="rect">
+                <a:avLst/>
+              </a:prstGeom>
+              <a:noFill/>
+            </p:spPr>
+            <p:txBody>
+              <a:bodyPr wrap="none" lIns="0" tIns="0" rIns="0" bIns="0" rtlCol="0">
+                <a:spAutoFit/>
+              </a:bodyPr>
+              <a:lstStyle/>
+              <a:p>
+                <a14:m>
+                  <m:oMathPara xmlns:m="http://schemas.openxmlformats.org/officeDocument/2006/math">
+                    <m:oMathParaPr>
+                      <m:jc m:val="centerGroup"/>
+                    </m:oMathParaPr>
+                    <m:oMath xmlns:m="http://schemas.openxmlformats.org/officeDocument/2006/math">
+                      <m:r>
+                        <a:rPr lang="en-US" altLang="zh-CN" b="0" i="1" smtClean="0">
+                          <a:latin typeface="Cambria Math" panose="02040503050406030204" pitchFamily="18" charset="0"/>
+                        </a:rPr>
+                        <m:t>𝑡</m:t>
+                      </m:r>
+                    </m:oMath>
+                  </m:oMathPara>
+                </a14:m>
+                <a:endParaRPr lang="zh-CN" altLang="en-US" dirty="0"/>
+              </a:p>
+            </p:txBody>
+          </p:sp>
+        </mc:Choice>
+        <mc:Fallback>
+          <p:sp>
+            <p:nvSpPr>
+              <p:cNvPr id="27" name="文本框 26">
+                <a:extLst>
+                  <a:ext uri="{FF2B5EF4-FFF2-40B4-BE49-F238E27FC236}">
+                    <a16:creationId xmlns:a16="http://schemas.microsoft.com/office/drawing/2014/main" id="{16431D41-B7B8-9009-56BC-36320AAAF1D5}"/>
+                  </a:ext>
+                </a:extLst>
+              </p:cNvPr>
+              <p:cNvSpPr txBox="1">
+                <a:spLocks noRot="1" noChangeAspect="1" noMove="1" noResize="1" noEditPoints="1" noAdjustHandles="1" noChangeArrowheads="1" noChangeShapeType="1" noTextEdit="1"/>
+              </p:cNvSpPr>
+              <p:nvPr/>
+            </p:nvSpPr>
+            <p:spPr>
+              <a:xfrm>
+                <a:off x="5095595" y="56341"/>
+                <a:ext cx="159531" cy="276999"/>
+              </a:xfrm>
+              <a:prstGeom prst="rect">
+                <a:avLst/>
+              </a:prstGeom>
+              <a:blipFill>
+                <a:blip r:embed="rId10"/>
+                <a:stretch>
+                  <a:fillRect l="-30769" r="-23077" b="-4348"/>
+                </a:stretch>
+              </a:blipFill>
+            </p:spPr>
+            <p:txBody>
+              <a:bodyPr/>
+              <a:lstStyle/>
+              <a:p>
+                <a:r>
+                  <a:rPr lang="zh-CN" altLang="en-US">
+                    <a:noFill/>
+                  </a:rPr>
+                  <a:t> </a:t>
+                </a:r>
+              </a:p>
+            </p:txBody>
+          </p:sp>
+        </mc:Fallback>
+      </mc:AlternateContent>
+      <p:cxnSp>
+        <p:nvCxnSpPr>
+          <p:cNvPr id="29" name="直接连接符 28">
+            <a:extLst>
+              <a:ext uri="{FF2B5EF4-FFF2-40B4-BE49-F238E27FC236}">
+                <a16:creationId xmlns:a16="http://schemas.microsoft.com/office/drawing/2014/main" id="{92FC7DFE-D8EE-8B54-5F36-F188D55FEFFE}"/>
+              </a:ext>
+            </a:extLst>
+          </p:cNvPr>
+          <p:cNvCxnSpPr>
+            <a:cxnSpLocks/>
+          </p:cNvCxnSpPr>
+          <p:nvPr/>
+        </p:nvCxnSpPr>
+        <p:spPr>
+          <a:xfrm>
+            <a:off x="5175361" y="342477"/>
+            <a:ext cx="0" cy="6033477"/>
+          </a:xfrm>
+          <a:prstGeom prst="line">
+            <a:avLst/>
+          </a:prstGeom>
+          <a:ln w="12700">
+            <a:solidFill>
+              <a:schemeClr val="tx1"/>
+            </a:solidFill>
+            <a:prstDash val="dash"/>
+          </a:ln>
+        </p:spPr>
+        <p:style>
+          <a:lnRef idx="2">
+            <a:schemeClr val="accent1"/>
+          </a:lnRef>
+          <a:fillRef idx="0">
+            <a:schemeClr val="accent1"/>
+          </a:fillRef>
+          <a:effectRef idx="1">
+            <a:schemeClr val="accent1"/>
+          </a:effectRef>
+          <a:fontRef idx="minor">
+            <a:schemeClr val="tx1"/>
+          </a:fontRef>
+        </p:style>
+      </p:cxnSp>
+      <mc:AlternateContent xmlns:mc="http://schemas.openxmlformats.org/markup-compatibility/2006">
+        <mc:Choice xmlns:a14="http://schemas.microsoft.com/office/drawing/2010/main" Requires="a14">
+          <p:sp>
+            <p:nvSpPr>
+              <p:cNvPr id="30" name="文本框 29">
+                <a:extLst>
+                  <a:ext uri="{FF2B5EF4-FFF2-40B4-BE49-F238E27FC236}">
+                    <a16:creationId xmlns:a16="http://schemas.microsoft.com/office/drawing/2014/main" id="{49D5AEE1-23CC-62DF-E31B-4E8B0F515DC3}"/>
+                  </a:ext>
+                </a:extLst>
+              </p:cNvPr>
+              <p:cNvSpPr txBox="1"/>
+              <p:nvPr/>
+            </p:nvSpPr>
+            <p:spPr>
+              <a:xfrm>
+                <a:off x="4143347" y="6447588"/>
+                <a:ext cx="1904496" cy="246221"/>
+              </a:xfrm>
+              <a:prstGeom prst="rect">
+                <a:avLst/>
+              </a:prstGeom>
+              <a:noFill/>
+            </p:spPr>
+            <p:txBody>
+              <a:bodyPr wrap="none" lIns="0" tIns="0" rIns="0" bIns="0" rtlCol="0">
+                <a:spAutoFit/>
+              </a:bodyPr>
+              <a:lstStyle/>
+              <a:p>
+                <a14:m>
+                  <m:oMathPara xmlns:m="http://schemas.openxmlformats.org/officeDocument/2006/math">
+                    <m:oMathParaPr>
+                      <m:jc m:val="centerGroup"/>
+                    </m:oMathParaPr>
+                    <m:oMath xmlns:m="http://schemas.openxmlformats.org/officeDocument/2006/math">
+                      <m:sSub>
+                        <m:sSubPr>
+                          <m:ctrlPr>
+                            <a:rPr lang="en-US" altLang="zh-CN" sz="1600" i="1" smtClean="0">
+                              <a:latin typeface="Cambria Math" panose="02040503050406030204" pitchFamily="18" charset="0"/>
+                            </a:rPr>
+                          </m:ctrlPr>
+                        </m:sSubPr>
+                        <m:e>
+                          <m:r>
+                            <a:rPr lang="en-US" altLang="zh-CN" sz="1600" b="0" i="1" smtClean="0">
+                              <a:latin typeface="Cambria Math" panose="02040503050406030204" pitchFamily="18" charset="0"/>
+                            </a:rPr>
+                            <m:t>𝑥</m:t>
+                          </m:r>
+                        </m:e>
+                        <m:sub>
+                          <m:r>
+                            <a:rPr lang="en-US" altLang="zh-CN" sz="1600" b="0" i="1" smtClean="0">
+                              <a:latin typeface="Cambria Math" panose="02040503050406030204" pitchFamily="18" charset="0"/>
+                            </a:rPr>
+                            <m:t>𝑡</m:t>
+                          </m:r>
+                        </m:sub>
+                      </m:sSub>
+                      <m:r>
+                        <a:rPr lang="en-US" altLang="zh-CN" sz="1600" b="0" i="1" smtClean="0">
+                          <a:latin typeface="Cambria Math" panose="02040503050406030204" pitchFamily="18" charset="0"/>
+                        </a:rPr>
+                        <m:t>=</m:t>
+                      </m:r>
+                      <m:d>
+                        <m:dPr>
+                          <m:ctrlPr>
+                            <a:rPr lang="en-US" altLang="zh-CN" sz="1600" i="1" smtClean="0">
+                              <a:latin typeface="Cambria Math" panose="02040503050406030204" pitchFamily="18" charset="0"/>
+                            </a:rPr>
+                          </m:ctrlPr>
+                        </m:dPr>
+                        <m:e>
+                          <m:r>
+                            <a:rPr lang="en-US" altLang="zh-CN" sz="1600" b="0" i="1" smtClean="0">
+                              <a:latin typeface="Cambria Math" panose="02040503050406030204" pitchFamily="18" charset="0"/>
+                            </a:rPr>
+                            <m:t>1−</m:t>
+                          </m:r>
+                          <m:r>
+                            <a:rPr lang="en-US" altLang="zh-CN" sz="1600" b="0" i="1" smtClean="0">
+                              <a:latin typeface="Cambria Math" panose="02040503050406030204" pitchFamily="18" charset="0"/>
+                            </a:rPr>
+                            <m:t>𝑡</m:t>
+                          </m:r>
+                        </m:e>
+                      </m:d>
+                      <m:sSub>
+                        <m:sSubPr>
+                          <m:ctrlPr>
+                            <a:rPr lang="en-US" altLang="zh-CN" sz="1600" i="1" smtClean="0">
+                              <a:latin typeface="Cambria Math" panose="02040503050406030204" pitchFamily="18" charset="0"/>
+                            </a:rPr>
+                          </m:ctrlPr>
+                        </m:sSubPr>
+                        <m:e>
+                          <m:r>
+                            <a:rPr lang="en-US" altLang="zh-CN" sz="1600" b="0" i="1" smtClean="0">
+                              <a:latin typeface="Cambria Math" panose="02040503050406030204" pitchFamily="18" charset="0"/>
+                            </a:rPr>
+                            <m:t>𝑥</m:t>
+                          </m:r>
+                        </m:e>
+                        <m:sub>
+                          <m:r>
+                            <a:rPr lang="en-US" altLang="zh-CN" sz="1600" b="0" i="1" smtClean="0">
+                              <a:latin typeface="Cambria Math" panose="02040503050406030204" pitchFamily="18" charset="0"/>
+                            </a:rPr>
+                            <m:t>0</m:t>
+                          </m:r>
+                        </m:sub>
+                      </m:sSub>
+                      <m:r>
+                        <a:rPr lang="en-US" altLang="zh-CN" sz="1600" b="0" i="1" smtClean="0">
+                          <a:latin typeface="Cambria Math" panose="02040503050406030204" pitchFamily="18" charset="0"/>
+                        </a:rPr>
+                        <m:t>+</m:t>
+                      </m:r>
+                      <m:r>
+                        <a:rPr lang="en-US" altLang="zh-CN" sz="1600" b="0" i="1" smtClean="0">
+                          <a:latin typeface="Cambria Math" panose="02040503050406030204" pitchFamily="18" charset="0"/>
+                        </a:rPr>
+                        <m:t>𝑡</m:t>
+                      </m:r>
+                      <m:sSub>
+                        <m:sSubPr>
+                          <m:ctrlPr>
+                            <a:rPr lang="en-US" altLang="zh-CN" sz="1600" i="1" smtClean="0">
+                              <a:latin typeface="Cambria Math" panose="02040503050406030204" pitchFamily="18" charset="0"/>
+                            </a:rPr>
+                          </m:ctrlPr>
+                        </m:sSubPr>
+                        <m:e>
+                          <m:r>
+                            <a:rPr lang="en-US" altLang="zh-CN" sz="1600" b="0" i="1" smtClean="0">
+                              <a:latin typeface="Cambria Math" panose="02040503050406030204" pitchFamily="18" charset="0"/>
+                            </a:rPr>
+                            <m:t>𝑥</m:t>
+                          </m:r>
+                        </m:e>
+                        <m:sub>
+                          <m:r>
+                            <a:rPr lang="en-US" altLang="zh-CN" sz="1600" b="0" i="1" smtClean="0">
+                              <a:latin typeface="Cambria Math" panose="02040503050406030204" pitchFamily="18" charset="0"/>
+                            </a:rPr>
+                            <m:t>1</m:t>
+                          </m:r>
+                        </m:sub>
+                      </m:sSub>
+                    </m:oMath>
+                  </m:oMathPara>
+                </a14:m>
+                <a:endParaRPr lang="zh-CN" altLang="en-US" sz="1600" dirty="0"/>
+              </a:p>
+            </p:txBody>
+          </p:sp>
+        </mc:Choice>
+        <mc:Fallback>
+          <p:sp>
+            <p:nvSpPr>
+              <p:cNvPr id="30" name="文本框 29">
+                <a:extLst>
+                  <a:ext uri="{FF2B5EF4-FFF2-40B4-BE49-F238E27FC236}">
+                    <a16:creationId xmlns:a16="http://schemas.microsoft.com/office/drawing/2014/main" id="{49D5AEE1-23CC-62DF-E31B-4E8B0F515DC3}"/>
+                  </a:ext>
+                </a:extLst>
+              </p:cNvPr>
+              <p:cNvSpPr txBox="1">
+                <a:spLocks noRot="1" noChangeAspect="1" noMove="1" noResize="1" noEditPoints="1" noAdjustHandles="1" noChangeArrowheads="1" noChangeShapeType="1" noTextEdit="1"/>
+              </p:cNvSpPr>
+              <p:nvPr/>
+            </p:nvSpPr>
+            <p:spPr>
+              <a:xfrm>
+                <a:off x="4143347" y="6447588"/>
+                <a:ext cx="1904496" cy="246221"/>
+              </a:xfrm>
+              <a:prstGeom prst="rect">
+                <a:avLst/>
+              </a:prstGeom>
+              <a:blipFill>
+                <a:blip r:embed="rId11"/>
+                <a:stretch>
+                  <a:fillRect b="-15000"/>
+                </a:stretch>
+              </a:blipFill>
+            </p:spPr>
+            <p:txBody>
+              <a:bodyPr/>
+              <a:lstStyle/>
+              <a:p>
+                <a:r>
+                  <a:rPr lang="zh-CN" altLang="en-US">
+                    <a:noFill/>
+                  </a:rPr>
+                  <a:t> </a:t>
+                </a:r>
+              </a:p>
+            </p:txBody>
+          </p:sp>
+        </mc:Fallback>
+      </mc:AlternateContent>
+    </p:spTree>
+    <p:extLst>
+      <p:ext uri="{BB962C8B-B14F-4D97-AF65-F5344CB8AC3E}">
+        <p14:creationId xmlns:p14="http://schemas.microsoft.com/office/powerpoint/2010/main" val="2972180863"/>
+      </p:ext>
+    </p:extLst>
+  </p:cSld>
+  <p:clrMapOvr>
+    <a:masterClrMapping/>
+  </p:clrMapOvr>
+</p:sld>
+</file>
+
+<file path=ppt/slides/slide3.xml><?xml version="1.0" encoding="utf-8"?>
+<p:sld xmlns:a="http://schemas.openxmlformats.org/drawingml/2006/main" xmlns:r="http://schemas.openxmlformats.org/officeDocument/2006/relationships" xmlns:p="http://schemas.openxmlformats.org/presentationml/2006/main">
+  <p:cSld>
+    <p:spTree>
+      <p:nvGrpSpPr>
+        <p:cNvPr id="1" name=""/>
+        <p:cNvGrpSpPr/>
+        <p:nvPr/>
+      </p:nvGrpSpPr>
+      <p:grpSpPr>
+        <a:xfrm>
+          <a:off x="0" y="0"/>
+          <a:ext cx="0" cy="0"/>
+          <a:chOff x="0" y="0"/>
+          <a:chExt cx="0" cy="0"/>
+        </a:xfrm>
+      </p:grpSpPr>
+      <p:pic>
+        <p:nvPicPr>
+          <p:cNvPr id="5" name="图片 4">
+            <a:extLst>
+              <a:ext uri="{FF2B5EF4-FFF2-40B4-BE49-F238E27FC236}">
+                <a16:creationId xmlns:a16="http://schemas.microsoft.com/office/drawing/2014/main" id="{BF507EF1-84DB-384C-B0E2-D362EDC13479}"/>
+              </a:ext>
+            </a:extLst>
+          </p:cNvPr>
+          <p:cNvPicPr>
+            <a:picLocks noChangeAspect="1"/>
+          </p:cNvPicPr>
+          <p:nvPr/>
+        </p:nvPicPr>
+        <p:blipFill>
+          <a:blip r:embed="rId2"/>
+          <a:stretch>
+            <a:fillRect/>
+          </a:stretch>
+        </p:blipFill>
+        <p:spPr>
+          <a:xfrm>
+            <a:off x="0" y="93394"/>
+            <a:ext cx="12192000" cy="5769512"/>
+          </a:xfrm>
+          <a:prstGeom prst="rect">
+            <a:avLst/>
+          </a:prstGeom>
+        </p:spPr>
+      </p:pic>
+      <p:sp>
+        <p:nvSpPr>
+          <p:cNvPr id="6" name="椭圆 5">
+            <a:extLst>
+              <a:ext uri="{FF2B5EF4-FFF2-40B4-BE49-F238E27FC236}">
+                <a16:creationId xmlns:a16="http://schemas.microsoft.com/office/drawing/2014/main" id="{C5AC76AF-C93A-C1FD-46B4-FFAEF943600D}"/>
+              </a:ext>
+            </a:extLst>
+          </p:cNvPr>
+          <p:cNvSpPr/>
+          <p:nvPr/>
+        </p:nvSpPr>
+        <p:spPr>
+          <a:xfrm>
+            <a:off x="342900" y="93393"/>
+            <a:ext cx="1631949" cy="5982677"/>
+          </a:xfrm>
+          <a:prstGeom prst="ellipse">
+            <a:avLst/>
+          </a:prstGeom>
+          <a:solidFill>
+            <a:srgbClr val="00B0F0">
+              <a:alpha val="8000"/>
+            </a:srgbClr>
+          </a:solidFill>
+          <a:ln>
+            <a:noFill/>
+          </a:ln>
+        </p:spPr>
+        <p:style>
+          <a:lnRef idx="2">
+            <a:schemeClr val="accent1">
+              <a:shade val="15000"/>
+            </a:schemeClr>
+          </a:lnRef>
+          <a:fillRef idx="1">
+            <a:schemeClr val="accent1"/>
+          </a:fillRef>
+          <a:effectRef idx="0">
+            <a:schemeClr val="accent1"/>
+          </a:effectRef>
+          <a:fontRef idx="minor">
+            <a:schemeClr val="lt1"/>
+          </a:fontRef>
+        </p:style>
+        <p:txBody>
+          <a:bodyPr rtlCol="0" anchor="ctr"/>
+          <a:lstStyle/>
+          <a:p>
+            <a:pPr algn="ctr"/>
+            <a:endParaRPr lang="zh-CN" altLang="en-US"/>
+          </a:p>
+        </p:txBody>
+      </p:sp>
+      <p:sp>
+        <p:nvSpPr>
+          <p:cNvPr id="7" name="椭圆 6">
+            <a:extLst>
+              <a:ext uri="{FF2B5EF4-FFF2-40B4-BE49-F238E27FC236}">
+                <a16:creationId xmlns:a16="http://schemas.microsoft.com/office/drawing/2014/main" id="{FD2E0CE1-5DBA-246C-952D-8CB824B06457}"/>
+              </a:ext>
+            </a:extLst>
+          </p:cNvPr>
+          <p:cNvSpPr/>
+          <p:nvPr/>
+        </p:nvSpPr>
+        <p:spPr>
+          <a:xfrm>
+            <a:off x="10231822" y="93393"/>
+            <a:ext cx="1483928" cy="5982678"/>
+          </a:xfrm>
+          <a:prstGeom prst="ellipse">
+            <a:avLst/>
+          </a:prstGeom>
+          <a:solidFill>
+            <a:schemeClr val="accent2">
+              <a:alpha val="8000"/>
+            </a:schemeClr>
+          </a:solidFill>
+          <a:ln>
+            <a:noFill/>
+          </a:ln>
+        </p:spPr>
+        <p:style>
+          <a:lnRef idx="2">
+            <a:schemeClr val="accent1">
+              <a:shade val="15000"/>
+            </a:schemeClr>
+          </a:lnRef>
+          <a:fillRef idx="1">
+            <a:schemeClr val="accent1"/>
+          </a:fillRef>
+          <a:effectRef idx="0">
+            <a:schemeClr val="accent1"/>
+          </a:effectRef>
+          <a:fontRef idx="minor">
+            <a:schemeClr val="lt1"/>
+          </a:fontRef>
+        </p:style>
+        <p:txBody>
+          <a:bodyPr rtlCol="0" anchor="ctr"/>
+          <a:lstStyle/>
+          <a:p>
+            <a:pPr algn="ctr"/>
+            <a:endParaRPr lang="zh-CN" altLang="en-US"/>
+          </a:p>
+        </p:txBody>
+      </p:sp>
+      <mc:AlternateContent xmlns:mc="http://schemas.openxmlformats.org/markup-compatibility/2006">
+        <mc:Choice xmlns:a14="http://schemas.microsoft.com/office/drawing/2010/main" Requires="a14">
+          <p:sp>
+            <p:nvSpPr>
+              <p:cNvPr id="8" name="文本框 7">
+                <a:extLst>
+                  <a:ext uri="{FF2B5EF4-FFF2-40B4-BE49-F238E27FC236}">
+                    <a16:creationId xmlns:a16="http://schemas.microsoft.com/office/drawing/2014/main" id="{1A750975-355D-EE73-9EA0-02302F37AD13}"/>
+                  </a:ext>
+                </a:extLst>
+              </p:cNvPr>
+              <p:cNvSpPr txBox="1"/>
+              <p:nvPr/>
+            </p:nvSpPr>
+            <p:spPr>
+              <a:xfrm>
+                <a:off x="889563" y="6375954"/>
+                <a:ext cx="528285" cy="307777"/>
+              </a:xfrm>
+              <a:prstGeom prst="rect">
+                <a:avLst/>
+              </a:prstGeom>
+              <a:noFill/>
+            </p:spPr>
+            <p:txBody>
+              <a:bodyPr wrap="none" lIns="0" tIns="0" rIns="0" bIns="0" rtlCol="0">
+                <a:spAutoFit/>
+              </a:bodyPr>
+              <a:lstStyle/>
+              <a:p>
+                <a14:m>
+                  <m:oMathPara xmlns:m="http://schemas.openxmlformats.org/officeDocument/2006/math">
+                    <m:oMathParaPr>
+                      <m:jc m:val="centerGroup"/>
+                    </m:oMathParaPr>
+                    <m:oMath xmlns:m="http://schemas.openxmlformats.org/officeDocument/2006/math">
+                      <m:sSub>
+                        <m:sSubPr>
+                          <m:ctrlPr>
+                            <a:rPr lang="en-US" altLang="zh-CN" sz="2000" i="1" smtClean="0">
+                              <a:latin typeface="Cambria Math" panose="02040503050406030204" pitchFamily="18" charset="0"/>
+                            </a:rPr>
+                          </m:ctrlPr>
+                        </m:sSubPr>
+                        <m:e>
+                          <m:r>
+                            <a:rPr lang="en-US" altLang="zh-CN" sz="2000" b="0" i="1" smtClean="0">
+                              <a:latin typeface="Cambria Math" panose="02040503050406030204" pitchFamily="18" charset="0"/>
+                            </a:rPr>
+                            <m:t>𝑝</m:t>
+                          </m:r>
+                        </m:e>
+                        <m:sub>
+                          <m:r>
+                            <m:rPr>
+                              <m:sty m:val="p"/>
+                            </m:rPr>
+                            <a:rPr lang="en-US" altLang="zh-CN" sz="2000" b="0" i="0" smtClean="0">
+                              <a:latin typeface="Cambria Math" panose="02040503050406030204" pitchFamily="18" charset="0"/>
+                            </a:rPr>
+                            <m:t>init</m:t>
+                          </m:r>
+                        </m:sub>
+                      </m:sSub>
+                    </m:oMath>
+                  </m:oMathPara>
+                </a14:m>
+                <a:endParaRPr lang="zh-CN" altLang="en-US" sz="2000" dirty="0"/>
+              </a:p>
+            </p:txBody>
+          </p:sp>
+        </mc:Choice>
+        <mc:Fallback>
+          <p:sp>
+            <p:nvSpPr>
+              <p:cNvPr id="8" name="文本框 7">
+                <a:extLst>
+                  <a:ext uri="{FF2B5EF4-FFF2-40B4-BE49-F238E27FC236}">
+                    <a16:creationId xmlns:a16="http://schemas.microsoft.com/office/drawing/2014/main" id="{1A750975-355D-EE73-9EA0-02302F37AD13}"/>
+                  </a:ext>
+                </a:extLst>
+              </p:cNvPr>
+              <p:cNvSpPr txBox="1">
+                <a:spLocks noRot="1" noChangeAspect="1" noMove="1" noResize="1" noEditPoints="1" noAdjustHandles="1" noChangeArrowheads="1" noChangeShapeType="1" noTextEdit="1"/>
+              </p:cNvSpPr>
+              <p:nvPr/>
+            </p:nvSpPr>
+            <p:spPr>
+              <a:xfrm>
+                <a:off x="889563" y="6375954"/>
+                <a:ext cx="528285" cy="307777"/>
+              </a:xfrm>
+              <a:prstGeom prst="rect">
+                <a:avLst/>
+              </a:prstGeom>
+              <a:blipFill>
+                <a:blip r:embed="rId3"/>
+                <a:stretch>
+                  <a:fillRect l="-10345" r="-3448" b="-26000"/>
+                </a:stretch>
+              </a:blipFill>
+            </p:spPr>
+            <p:txBody>
+              <a:bodyPr/>
+              <a:lstStyle/>
+              <a:p>
+                <a:r>
+                  <a:rPr lang="zh-CN" altLang="en-US">
+                    <a:noFill/>
+                  </a:rPr>
+                  <a:t> </a:t>
+                </a:r>
+              </a:p>
+            </p:txBody>
+          </p:sp>
+        </mc:Fallback>
+      </mc:AlternateContent>
+      <mc:AlternateContent xmlns:mc="http://schemas.openxmlformats.org/markup-compatibility/2006">
+        <mc:Choice xmlns:a14="http://schemas.microsoft.com/office/drawing/2010/main" Requires="a14">
+          <p:sp>
+            <p:nvSpPr>
+              <p:cNvPr id="9" name="文本框 8">
+                <a:extLst>
+                  <a:ext uri="{FF2B5EF4-FFF2-40B4-BE49-F238E27FC236}">
+                    <a16:creationId xmlns:a16="http://schemas.microsoft.com/office/drawing/2014/main" id="{F418072E-0D22-7B60-E60E-8CB9947429D0}"/>
+                  </a:ext>
+                </a:extLst>
+              </p:cNvPr>
+              <p:cNvSpPr txBox="1"/>
+              <p:nvPr/>
+            </p:nvSpPr>
+            <p:spPr>
+              <a:xfrm>
+                <a:off x="11038294" y="6375954"/>
+                <a:ext cx="614848" cy="307777"/>
+              </a:xfrm>
+              <a:prstGeom prst="rect">
+                <a:avLst/>
+              </a:prstGeom>
+              <a:noFill/>
+            </p:spPr>
+            <p:txBody>
+              <a:bodyPr wrap="none" lIns="0" tIns="0" rIns="0" bIns="0" rtlCol="0">
+                <a:spAutoFit/>
+              </a:bodyPr>
+              <a:lstStyle/>
+              <a:p>
+                <a14:m>
+                  <m:oMathPara xmlns:m="http://schemas.openxmlformats.org/officeDocument/2006/math">
+                    <m:oMathParaPr>
+                      <m:jc m:val="centerGroup"/>
+                    </m:oMathParaPr>
+                    <m:oMath xmlns:m="http://schemas.openxmlformats.org/officeDocument/2006/math">
+                      <m:sSub>
+                        <m:sSubPr>
+                          <m:ctrlPr>
+                            <a:rPr lang="en-US" altLang="zh-CN" sz="2000" i="1" smtClean="0">
+                              <a:latin typeface="Cambria Math" panose="02040503050406030204" pitchFamily="18" charset="0"/>
+                            </a:rPr>
+                          </m:ctrlPr>
+                        </m:sSubPr>
+                        <m:e>
+                          <m:r>
+                            <a:rPr lang="en-US" altLang="zh-CN" sz="2000" b="0" i="1" smtClean="0">
+                              <a:latin typeface="Cambria Math" panose="02040503050406030204" pitchFamily="18" charset="0"/>
+                            </a:rPr>
+                            <m:t>𝑝</m:t>
+                          </m:r>
+                        </m:e>
+                        <m:sub>
+                          <m:r>
+                            <m:rPr>
+                              <m:sty m:val="p"/>
+                            </m:rPr>
+                            <a:rPr lang="en-US" altLang="zh-CN" sz="2000" b="0" i="0" smtClean="0">
+                              <a:latin typeface="Cambria Math" panose="02040503050406030204" pitchFamily="18" charset="0"/>
+                            </a:rPr>
+                            <m:t>data</m:t>
+                          </m:r>
+                        </m:sub>
+                      </m:sSub>
+                    </m:oMath>
+                  </m:oMathPara>
+                </a14:m>
+                <a:endParaRPr lang="zh-CN" altLang="en-US" sz="2000" dirty="0"/>
+              </a:p>
+            </p:txBody>
+          </p:sp>
+        </mc:Choice>
+        <mc:Fallback>
+          <p:sp>
+            <p:nvSpPr>
+              <p:cNvPr id="9" name="文本框 8">
+                <a:extLst>
+                  <a:ext uri="{FF2B5EF4-FFF2-40B4-BE49-F238E27FC236}">
+                    <a16:creationId xmlns:a16="http://schemas.microsoft.com/office/drawing/2014/main" id="{F418072E-0D22-7B60-E60E-8CB9947429D0}"/>
+                  </a:ext>
+                </a:extLst>
+              </p:cNvPr>
+              <p:cNvSpPr txBox="1">
+                <a:spLocks noRot="1" noChangeAspect="1" noMove="1" noResize="1" noEditPoints="1" noAdjustHandles="1" noChangeArrowheads="1" noChangeShapeType="1" noTextEdit="1"/>
+              </p:cNvSpPr>
+              <p:nvPr/>
+            </p:nvSpPr>
+            <p:spPr>
+              <a:xfrm>
+                <a:off x="11038294" y="6375954"/>
+                <a:ext cx="614848" cy="307777"/>
+              </a:xfrm>
+              <a:prstGeom prst="rect">
+                <a:avLst/>
+              </a:prstGeom>
+              <a:blipFill>
+                <a:blip r:embed="rId4"/>
+                <a:stretch>
+                  <a:fillRect l="-8911" r="-2970" b="-26000"/>
+                </a:stretch>
+              </a:blipFill>
+            </p:spPr>
+            <p:txBody>
+              <a:bodyPr/>
+              <a:lstStyle/>
+              <a:p>
+                <a:r>
+                  <a:rPr lang="zh-CN" altLang="en-US">
+                    <a:noFill/>
+                  </a:rPr>
+                  <a:t> </a:t>
+                </a:r>
+              </a:p>
+            </p:txBody>
+          </p:sp>
+        </mc:Fallback>
+      </mc:AlternateContent>
+      <p:cxnSp>
+        <p:nvCxnSpPr>
+          <p:cNvPr id="10" name="直接箭头连接符 9">
+            <a:extLst>
+              <a:ext uri="{FF2B5EF4-FFF2-40B4-BE49-F238E27FC236}">
+                <a16:creationId xmlns:a16="http://schemas.microsoft.com/office/drawing/2014/main" id="{0E5F839D-952F-CEC1-DC4A-06ED728F81FF}"/>
+              </a:ext>
+            </a:extLst>
+          </p:cNvPr>
+          <p:cNvCxnSpPr>
+            <a:cxnSpLocks/>
+          </p:cNvCxnSpPr>
+          <p:nvPr/>
+        </p:nvCxnSpPr>
+        <p:spPr>
+          <a:xfrm>
+            <a:off x="1206061" y="506414"/>
+            <a:ext cx="10005850" cy="0"/>
+          </a:xfrm>
+          <a:prstGeom prst="straightConnector1">
+            <a:avLst/>
+          </a:prstGeom>
+          <a:ln w="28575">
+            <a:solidFill>
+              <a:schemeClr val="tx1"/>
+            </a:solidFill>
+            <a:tailEnd type="triangle"/>
+          </a:ln>
+        </p:spPr>
+        <p:style>
+          <a:lnRef idx="2">
+            <a:schemeClr val="accent1"/>
+          </a:lnRef>
+          <a:fillRef idx="0">
+            <a:schemeClr val="accent1"/>
+          </a:fillRef>
+          <a:effectRef idx="1">
+            <a:schemeClr val="accent1"/>
+          </a:effectRef>
+          <a:fontRef idx="minor">
+            <a:schemeClr val="tx1"/>
+          </a:fontRef>
+        </p:style>
+      </p:cxnSp>
+      <mc:AlternateContent xmlns:mc="http://schemas.openxmlformats.org/markup-compatibility/2006">
+        <mc:Choice xmlns:a14="http://schemas.microsoft.com/office/drawing/2010/main" Requires="a14">
+          <p:sp>
+            <p:nvSpPr>
+              <p:cNvPr id="11" name="文本框 10">
+                <a:extLst>
+                  <a:ext uri="{FF2B5EF4-FFF2-40B4-BE49-F238E27FC236}">
+                    <a16:creationId xmlns:a16="http://schemas.microsoft.com/office/drawing/2014/main" id="{DC1EEC4D-2EBC-7BEB-367F-039E075353EC}"/>
+                  </a:ext>
+                </a:extLst>
+              </p:cNvPr>
+              <p:cNvSpPr txBox="1"/>
+              <p:nvPr/>
+            </p:nvSpPr>
+            <p:spPr>
+              <a:xfrm>
+                <a:off x="1123280" y="112714"/>
+                <a:ext cx="589136" cy="276999"/>
+              </a:xfrm>
+              <a:prstGeom prst="rect">
+                <a:avLst/>
+              </a:prstGeom>
+              <a:noFill/>
+            </p:spPr>
+            <p:txBody>
+              <a:bodyPr wrap="none" lIns="0" tIns="0" rIns="0" bIns="0" rtlCol="0">
+                <a:spAutoFit/>
+              </a:bodyPr>
+              <a:lstStyle/>
+              <a:p>
+                <a14:m>
+                  <m:oMathPara xmlns:m="http://schemas.openxmlformats.org/officeDocument/2006/math">
+                    <m:oMathParaPr>
+                      <m:jc m:val="centerGroup"/>
+                    </m:oMathParaPr>
+                    <m:oMath xmlns:m="http://schemas.openxmlformats.org/officeDocument/2006/math">
+                      <m:r>
+                        <a:rPr lang="en-US" altLang="zh-CN" b="0" i="1" smtClean="0">
+                          <a:latin typeface="Cambria Math" panose="02040503050406030204" pitchFamily="18" charset="0"/>
+                        </a:rPr>
+                        <m:t>𝑡</m:t>
+                      </m:r>
+                      <m:r>
+                        <a:rPr lang="en-US" altLang="zh-CN" b="0" i="1" smtClean="0">
+                          <a:latin typeface="Cambria Math" panose="02040503050406030204" pitchFamily="18" charset="0"/>
+                        </a:rPr>
+                        <m:t>=0</m:t>
+                      </m:r>
+                    </m:oMath>
+                  </m:oMathPara>
+                </a14:m>
+                <a:endParaRPr lang="zh-CN" altLang="en-US" dirty="0"/>
+              </a:p>
+            </p:txBody>
+          </p:sp>
+        </mc:Choice>
+        <mc:Fallback>
+          <p:sp>
+            <p:nvSpPr>
+              <p:cNvPr id="11" name="文本框 10">
+                <a:extLst>
+                  <a:ext uri="{FF2B5EF4-FFF2-40B4-BE49-F238E27FC236}">
+                    <a16:creationId xmlns:a16="http://schemas.microsoft.com/office/drawing/2014/main" id="{DC1EEC4D-2EBC-7BEB-367F-039E075353EC}"/>
+                  </a:ext>
+                </a:extLst>
+              </p:cNvPr>
+              <p:cNvSpPr txBox="1">
+                <a:spLocks noRot="1" noChangeAspect="1" noMove="1" noResize="1" noEditPoints="1" noAdjustHandles="1" noChangeArrowheads="1" noChangeShapeType="1" noTextEdit="1"/>
+              </p:cNvSpPr>
+              <p:nvPr/>
+            </p:nvSpPr>
+            <p:spPr>
+              <a:xfrm>
+                <a:off x="1123280" y="112714"/>
+                <a:ext cx="589136" cy="276999"/>
+              </a:xfrm>
+              <a:prstGeom prst="rect">
+                <a:avLst/>
+              </a:prstGeom>
+              <a:blipFill>
+                <a:blip r:embed="rId5"/>
+                <a:stretch>
+                  <a:fillRect l="-6186" r="-8247" b="-6522"/>
+                </a:stretch>
+              </a:blipFill>
+            </p:spPr>
+            <p:txBody>
+              <a:bodyPr/>
+              <a:lstStyle/>
+              <a:p>
+                <a:r>
+                  <a:rPr lang="zh-CN" altLang="en-US">
+                    <a:noFill/>
+                  </a:rPr>
+                  <a:t> </a:t>
+                </a:r>
+              </a:p>
+            </p:txBody>
+          </p:sp>
+        </mc:Fallback>
+      </mc:AlternateContent>
+      <mc:AlternateContent xmlns:mc="http://schemas.openxmlformats.org/markup-compatibility/2006">
+        <mc:Choice xmlns:a14="http://schemas.microsoft.com/office/drawing/2010/main" Requires="a14">
+          <p:sp>
+            <p:nvSpPr>
+              <p:cNvPr id="12" name="文本框 11">
+                <a:extLst>
+                  <a:ext uri="{FF2B5EF4-FFF2-40B4-BE49-F238E27FC236}">
+                    <a16:creationId xmlns:a16="http://schemas.microsoft.com/office/drawing/2014/main" id="{C12083AC-9D51-1286-0BA0-D72386B78A46}"/>
+                  </a:ext>
+                </a:extLst>
+              </p:cNvPr>
+              <p:cNvSpPr txBox="1"/>
+              <p:nvPr/>
+            </p:nvSpPr>
+            <p:spPr>
+              <a:xfrm>
+                <a:off x="10845998" y="112714"/>
+                <a:ext cx="589136" cy="276999"/>
+              </a:xfrm>
+              <a:prstGeom prst="rect">
+                <a:avLst/>
+              </a:prstGeom>
+              <a:noFill/>
+            </p:spPr>
+            <p:txBody>
+              <a:bodyPr wrap="none" lIns="0" tIns="0" rIns="0" bIns="0" rtlCol="0">
+                <a:spAutoFit/>
+              </a:bodyPr>
+              <a:lstStyle/>
+              <a:p>
+                <a14:m>
+                  <m:oMathPara xmlns:m="http://schemas.openxmlformats.org/officeDocument/2006/math">
+                    <m:oMathParaPr>
+                      <m:jc m:val="centerGroup"/>
+                    </m:oMathParaPr>
+                    <m:oMath xmlns:m="http://schemas.openxmlformats.org/officeDocument/2006/math">
+                      <m:r>
+                        <a:rPr lang="en-US" altLang="zh-CN" b="0" i="1" smtClean="0">
+                          <a:latin typeface="Cambria Math" panose="02040503050406030204" pitchFamily="18" charset="0"/>
+                        </a:rPr>
+                        <m:t>𝑡</m:t>
+                      </m:r>
+                      <m:r>
+                        <a:rPr lang="en-US" altLang="zh-CN" b="0" i="1" smtClean="0">
+                          <a:latin typeface="Cambria Math" panose="02040503050406030204" pitchFamily="18" charset="0"/>
+                        </a:rPr>
+                        <m:t>=0</m:t>
+                      </m:r>
+                    </m:oMath>
+                  </m:oMathPara>
+                </a14:m>
+                <a:endParaRPr lang="zh-CN" altLang="en-US" dirty="0"/>
+              </a:p>
+            </p:txBody>
+          </p:sp>
+        </mc:Choice>
+        <mc:Fallback>
+          <p:sp>
+            <p:nvSpPr>
+              <p:cNvPr id="12" name="文本框 11">
+                <a:extLst>
+                  <a:ext uri="{FF2B5EF4-FFF2-40B4-BE49-F238E27FC236}">
+                    <a16:creationId xmlns:a16="http://schemas.microsoft.com/office/drawing/2014/main" id="{C12083AC-9D51-1286-0BA0-D72386B78A46}"/>
+                  </a:ext>
+                </a:extLst>
+              </p:cNvPr>
+              <p:cNvSpPr txBox="1">
+                <a:spLocks noRot="1" noChangeAspect="1" noMove="1" noResize="1" noEditPoints="1" noAdjustHandles="1" noChangeArrowheads="1" noChangeShapeType="1" noTextEdit="1"/>
+              </p:cNvSpPr>
+              <p:nvPr/>
+            </p:nvSpPr>
+            <p:spPr>
+              <a:xfrm>
+                <a:off x="10845998" y="112714"/>
+                <a:ext cx="589136" cy="276999"/>
+              </a:xfrm>
+              <a:prstGeom prst="rect">
+                <a:avLst/>
+              </a:prstGeom>
+              <a:blipFill>
+                <a:blip r:embed="rId6"/>
+                <a:stretch>
+                  <a:fillRect l="-6186" r="-8247" b="-6522"/>
+                </a:stretch>
+              </a:blipFill>
+            </p:spPr>
+            <p:txBody>
+              <a:bodyPr/>
+              <a:lstStyle/>
+              <a:p>
+                <a:r>
+                  <a:rPr lang="zh-CN" altLang="en-US">
+                    <a:noFill/>
+                  </a:rPr>
+                  <a:t> </a:t>
+                </a:r>
+              </a:p>
+            </p:txBody>
+          </p:sp>
+        </mc:Fallback>
+      </mc:AlternateContent>
+      <mc:AlternateContent xmlns:mc="http://schemas.openxmlformats.org/markup-compatibility/2006">
+        <mc:Choice xmlns:a14="http://schemas.microsoft.com/office/drawing/2010/main" Requires="a14">
+          <p:sp>
+            <p:nvSpPr>
+              <p:cNvPr id="13" name="文本框 12">
+                <a:extLst>
+                  <a:ext uri="{FF2B5EF4-FFF2-40B4-BE49-F238E27FC236}">
+                    <a16:creationId xmlns:a16="http://schemas.microsoft.com/office/drawing/2014/main" id="{E8166B1C-BE45-89E8-E51F-29CB606FDFA9}"/>
+                  </a:ext>
+                </a:extLst>
+              </p:cNvPr>
+              <p:cNvSpPr txBox="1"/>
+              <p:nvPr/>
+            </p:nvSpPr>
+            <p:spPr>
+              <a:xfrm>
+                <a:off x="5095595" y="56341"/>
+                <a:ext cx="159531" cy="276999"/>
+              </a:xfrm>
+              <a:prstGeom prst="rect">
+                <a:avLst/>
+              </a:prstGeom>
+              <a:noFill/>
+            </p:spPr>
+            <p:txBody>
+              <a:bodyPr wrap="none" lIns="0" tIns="0" rIns="0" bIns="0" rtlCol="0">
+                <a:spAutoFit/>
+              </a:bodyPr>
+              <a:lstStyle/>
+              <a:p>
+                <a14:m>
+                  <m:oMathPara xmlns:m="http://schemas.openxmlformats.org/officeDocument/2006/math">
+                    <m:oMathParaPr>
+                      <m:jc m:val="centerGroup"/>
+                    </m:oMathParaPr>
+                    <m:oMath xmlns:m="http://schemas.openxmlformats.org/officeDocument/2006/math">
+                      <m:r>
+                        <a:rPr lang="en-US" altLang="zh-CN" b="0" i="1" smtClean="0">
+                          <a:latin typeface="Cambria Math" panose="02040503050406030204" pitchFamily="18" charset="0"/>
+                        </a:rPr>
+                        <m:t>𝑡</m:t>
+                      </m:r>
+                    </m:oMath>
+                  </m:oMathPara>
+                </a14:m>
+                <a:endParaRPr lang="zh-CN" altLang="en-US" dirty="0"/>
+              </a:p>
+            </p:txBody>
+          </p:sp>
+        </mc:Choice>
+        <mc:Fallback>
+          <p:sp>
+            <p:nvSpPr>
+              <p:cNvPr id="13" name="文本框 12">
+                <a:extLst>
+                  <a:ext uri="{FF2B5EF4-FFF2-40B4-BE49-F238E27FC236}">
+                    <a16:creationId xmlns:a16="http://schemas.microsoft.com/office/drawing/2014/main" id="{E8166B1C-BE45-89E8-E51F-29CB606FDFA9}"/>
+                  </a:ext>
+                </a:extLst>
+              </p:cNvPr>
+              <p:cNvSpPr txBox="1">
+                <a:spLocks noRot="1" noChangeAspect="1" noMove="1" noResize="1" noEditPoints="1" noAdjustHandles="1" noChangeArrowheads="1" noChangeShapeType="1" noTextEdit="1"/>
+              </p:cNvSpPr>
+              <p:nvPr/>
+            </p:nvSpPr>
+            <p:spPr>
+              <a:xfrm>
+                <a:off x="5095595" y="56341"/>
+                <a:ext cx="159531" cy="276999"/>
+              </a:xfrm>
+              <a:prstGeom prst="rect">
+                <a:avLst/>
+              </a:prstGeom>
+              <a:blipFill>
+                <a:blip r:embed="rId7"/>
+                <a:stretch>
+                  <a:fillRect l="-30769" r="-23077" b="-4348"/>
+                </a:stretch>
+              </a:blipFill>
+            </p:spPr>
+            <p:txBody>
+              <a:bodyPr/>
+              <a:lstStyle/>
+              <a:p>
+                <a:r>
+                  <a:rPr lang="zh-CN" altLang="en-US">
+                    <a:noFill/>
+                  </a:rPr>
+                  <a:t> </a:t>
+                </a:r>
+              </a:p>
+            </p:txBody>
+          </p:sp>
+        </mc:Fallback>
+      </mc:AlternateContent>
+      <mc:AlternateContent xmlns:mc="http://schemas.openxmlformats.org/markup-compatibility/2006">
+        <mc:Choice xmlns:a14="http://schemas.microsoft.com/office/drawing/2010/main" Requires="a14">
+          <p:sp>
+            <p:nvSpPr>
+              <p:cNvPr id="14" name="文本框 13">
+                <a:extLst>
+                  <a:ext uri="{FF2B5EF4-FFF2-40B4-BE49-F238E27FC236}">
+                    <a16:creationId xmlns:a16="http://schemas.microsoft.com/office/drawing/2014/main" id="{CABA38A6-C0D1-E881-0AB4-5A9569DC8335}"/>
+                  </a:ext>
+                </a:extLst>
+              </p:cNvPr>
+              <p:cNvSpPr txBox="1"/>
+              <p:nvPr/>
+            </p:nvSpPr>
+            <p:spPr>
+              <a:xfrm>
+                <a:off x="4143347" y="6447588"/>
+                <a:ext cx="1904496" cy="246221"/>
+              </a:xfrm>
+              <a:prstGeom prst="rect">
+                <a:avLst/>
+              </a:prstGeom>
+              <a:noFill/>
+            </p:spPr>
+            <p:txBody>
+              <a:bodyPr wrap="none" lIns="0" tIns="0" rIns="0" bIns="0" rtlCol="0">
+                <a:spAutoFit/>
+              </a:bodyPr>
+              <a:lstStyle/>
+              <a:p>
+                <a14:m>
+                  <m:oMathPara xmlns:m="http://schemas.openxmlformats.org/officeDocument/2006/math">
+                    <m:oMathParaPr>
+                      <m:jc m:val="centerGroup"/>
+                    </m:oMathParaPr>
+                    <m:oMath xmlns:m="http://schemas.openxmlformats.org/officeDocument/2006/math">
+                      <m:sSub>
+                        <m:sSubPr>
+                          <m:ctrlPr>
+                            <a:rPr lang="en-US" altLang="zh-CN" sz="1600" i="1" smtClean="0">
+                              <a:latin typeface="Cambria Math" panose="02040503050406030204" pitchFamily="18" charset="0"/>
+                            </a:rPr>
+                          </m:ctrlPr>
+                        </m:sSubPr>
+                        <m:e>
+                          <m:r>
+                            <a:rPr lang="en-US" altLang="zh-CN" sz="1600" b="0" i="1" smtClean="0">
+                              <a:latin typeface="Cambria Math" panose="02040503050406030204" pitchFamily="18" charset="0"/>
+                            </a:rPr>
+                            <m:t>𝑥</m:t>
+                          </m:r>
+                        </m:e>
+                        <m:sub>
+                          <m:r>
+                            <a:rPr lang="en-US" altLang="zh-CN" sz="1600" b="0" i="1" smtClean="0">
+                              <a:latin typeface="Cambria Math" panose="02040503050406030204" pitchFamily="18" charset="0"/>
+                            </a:rPr>
+                            <m:t>𝑡</m:t>
+                          </m:r>
+                        </m:sub>
+                      </m:sSub>
+                      <m:r>
+                        <a:rPr lang="en-US" altLang="zh-CN" sz="1600" b="0" i="1" smtClean="0">
+                          <a:latin typeface="Cambria Math" panose="02040503050406030204" pitchFamily="18" charset="0"/>
+                        </a:rPr>
+                        <m:t>=</m:t>
+                      </m:r>
+                      <m:d>
+                        <m:dPr>
+                          <m:ctrlPr>
+                            <a:rPr lang="en-US" altLang="zh-CN" sz="1600" i="1" smtClean="0">
+                              <a:latin typeface="Cambria Math" panose="02040503050406030204" pitchFamily="18" charset="0"/>
+                            </a:rPr>
+                          </m:ctrlPr>
+                        </m:dPr>
+                        <m:e>
+                          <m:r>
+                            <a:rPr lang="en-US" altLang="zh-CN" sz="1600" b="0" i="1" smtClean="0">
+                              <a:latin typeface="Cambria Math" panose="02040503050406030204" pitchFamily="18" charset="0"/>
+                            </a:rPr>
+                            <m:t>1−</m:t>
+                          </m:r>
+                          <m:r>
+                            <a:rPr lang="en-US" altLang="zh-CN" sz="1600" b="0" i="1" smtClean="0">
+                              <a:latin typeface="Cambria Math" panose="02040503050406030204" pitchFamily="18" charset="0"/>
+                            </a:rPr>
+                            <m:t>𝑡</m:t>
+                          </m:r>
+                        </m:e>
+                      </m:d>
+                      <m:sSub>
+                        <m:sSubPr>
+                          <m:ctrlPr>
+                            <a:rPr lang="en-US" altLang="zh-CN" sz="1600" i="1" smtClean="0">
+                              <a:latin typeface="Cambria Math" panose="02040503050406030204" pitchFamily="18" charset="0"/>
+                            </a:rPr>
+                          </m:ctrlPr>
+                        </m:sSubPr>
+                        <m:e>
+                          <m:r>
+                            <a:rPr lang="en-US" altLang="zh-CN" sz="1600" b="0" i="1" smtClean="0">
+                              <a:latin typeface="Cambria Math" panose="02040503050406030204" pitchFamily="18" charset="0"/>
+                            </a:rPr>
+                            <m:t>𝑥</m:t>
+                          </m:r>
+                        </m:e>
+                        <m:sub>
+                          <m:r>
+                            <a:rPr lang="en-US" altLang="zh-CN" sz="1600" b="0" i="1" smtClean="0">
+                              <a:latin typeface="Cambria Math" panose="02040503050406030204" pitchFamily="18" charset="0"/>
+                            </a:rPr>
+                            <m:t>0</m:t>
+                          </m:r>
+                        </m:sub>
+                      </m:sSub>
+                      <m:r>
+                        <a:rPr lang="en-US" altLang="zh-CN" sz="1600" b="0" i="1" smtClean="0">
+                          <a:latin typeface="Cambria Math" panose="02040503050406030204" pitchFamily="18" charset="0"/>
+                        </a:rPr>
+                        <m:t>+</m:t>
+                      </m:r>
+                      <m:r>
+                        <a:rPr lang="en-US" altLang="zh-CN" sz="1600" b="0" i="1" smtClean="0">
+                          <a:latin typeface="Cambria Math" panose="02040503050406030204" pitchFamily="18" charset="0"/>
+                        </a:rPr>
+                        <m:t>𝑡</m:t>
+                      </m:r>
+                      <m:sSub>
+                        <m:sSubPr>
+                          <m:ctrlPr>
+                            <a:rPr lang="en-US" altLang="zh-CN" sz="1600" i="1" smtClean="0">
+                              <a:latin typeface="Cambria Math" panose="02040503050406030204" pitchFamily="18" charset="0"/>
+                            </a:rPr>
+                          </m:ctrlPr>
+                        </m:sSubPr>
+                        <m:e>
+                          <m:r>
+                            <a:rPr lang="en-US" altLang="zh-CN" sz="1600" b="0" i="1" smtClean="0">
+                              <a:latin typeface="Cambria Math" panose="02040503050406030204" pitchFamily="18" charset="0"/>
+                            </a:rPr>
+                            <m:t>𝑥</m:t>
+                          </m:r>
+                        </m:e>
+                        <m:sub>
+                          <m:r>
+                            <a:rPr lang="en-US" altLang="zh-CN" sz="1600" b="0" i="1" smtClean="0">
+                              <a:latin typeface="Cambria Math" panose="02040503050406030204" pitchFamily="18" charset="0"/>
+                            </a:rPr>
+                            <m:t>1</m:t>
+                          </m:r>
+                        </m:sub>
+                      </m:sSub>
+                    </m:oMath>
+                  </m:oMathPara>
+                </a14:m>
+                <a:endParaRPr lang="zh-CN" altLang="en-US" sz="1600" dirty="0"/>
+              </a:p>
+            </p:txBody>
+          </p:sp>
+        </mc:Choice>
+        <mc:Fallback>
+          <p:sp>
+            <p:nvSpPr>
+              <p:cNvPr id="14" name="文本框 13">
+                <a:extLst>
+                  <a:ext uri="{FF2B5EF4-FFF2-40B4-BE49-F238E27FC236}">
+                    <a16:creationId xmlns:a16="http://schemas.microsoft.com/office/drawing/2014/main" id="{CABA38A6-C0D1-E881-0AB4-5A9569DC8335}"/>
+                  </a:ext>
+                </a:extLst>
+              </p:cNvPr>
+              <p:cNvSpPr txBox="1">
+                <a:spLocks noRot="1" noChangeAspect="1" noMove="1" noResize="1" noEditPoints="1" noAdjustHandles="1" noChangeArrowheads="1" noChangeShapeType="1" noTextEdit="1"/>
+              </p:cNvSpPr>
+              <p:nvPr/>
+            </p:nvSpPr>
+            <p:spPr>
+              <a:xfrm>
+                <a:off x="4143347" y="6447588"/>
+                <a:ext cx="1904496" cy="246221"/>
+              </a:xfrm>
+              <a:prstGeom prst="rect">
+                <a:avLst/>
+              </a:prstGeom>
+              <a:blipFill>
+                <a:blip r:embed="rId8"/>
+                <a:stretch>
+                  <a:fillRect b="-15000"/>
+                </a:stretch>
+              </a:blipFill>
+            </p:spPr>
+            <p:txBody>
+              <a:bodyPr/>
+              <a:lstStyle/>
+              <a:p>
+                <a:r>
+                  <a:rPr lang="zh-CN" altLang="en-US">
+                    <a:noFill/>
+                  </a:rPr>
+                  <a:t> </a:t>
+                </a:r>
+              </a:p>
+            </p:txBody>
+          </p:sp>
+        </mc:Fallback>
+      </mc:AlternateContent>
+      <p:cxnSp>
+        <p:nvCxnSpPr>
+          <p:cNvPr id="15" name="直接连接符 14">
+            <a:extLst>
+              <a:ext uri="{FF2B5EF4-FFF2-40B4-BE49-F238E27FC236}">
+                <a16:creationId xmlns:a16="http://schemas.microsoft.com/office/drawing/2014/main" id="{FD81FFC1-EF27-B0ED-DC7E-46868893A7D0}"/>
+              </a:ext>
+            </a:extLst>
+          </p:cNvPr>
+          <p:cNvCxnSpPr>
+            <a:cxnSpLocks/>
+          </p:cNvCxnSpPr>
+          <p:nvPr/>
+        </p:nvCxnSpPr>
+        <p:spPr>
+          <a:xfrm>
+            <a:off x="5175361" y="342477"/>
+            <a:ext cx="0" cy="6033477"/>
+          </a:xfrm>
+          <a:prstGeom prst="line">
+            <a:avLst/>
+          </a:prstGeom>
+          <a:ln w="12700">
+            <a:solidFill>
+              <a:schemeClr val="tx1"/>
+            </a:solidFill>
+            <a:prstDash val="dash"/>
+          </a:ln>
+        </p:spPr>
+        <p:style>
+          <a:lnRef idx="2">
+            <a:schemeClr val="accent1"/>
+          </a:lnRef>
+          <a:fillRef idx="0">
+            <a:schemeClr val="accent1"/>
+          </a:fillRef>
+          <a:effectRef idx="1">
+            <a:schemeClr val="accent1"/>
+          </a:effectRef>
+          <a:fontRef idx="minor">
+            <a:schemeClr val="tx1"/>
+          </a:fontRef>
+        </p:style>
+      </p:cxnSp>
+      <mc:AlternateContent xmlns:mc="http://schemas.openxmlformats.org/markup-compatibility/2006">
+        <mc:Choice xmlns:a14="http://schemas.microsoft.com/office/drawing/2010/main" Requires="a14">
+          <p:sp>
+            <p:nvSpPr>
+              <p:cNvPr id="16" name="文本框 15">
+                <a:extLst>
+                  <a:ext uri="{FF2B5EF4-FFF2-40B4-BE49-F238E27FC236}">
+                    <a16:creationId xmlns:a16="http://schemas.microsoft.com/office/drawing/2014/main" id="{85958629-5005-7D7C-0D5A-3BBCEF70E54E}"/>
+                  </a:ext>
+                </a:extLst>
+              </p:cNvPr>
+              <p:cNvSpPr txBox="1"/>
+              <p:nvPr/>
+            </p:nvSpPr>
+            <p:spPr>
+              <a:xfrm>
+                <a:off x="684411" y="895904"/>
+                <a:ext cx="340863" cy="307777"/>
+              </a:xfrm>
+              <a:prstGeom prst="rect">
+                <a:avLst/>
+              </a:prstGeom>
+              <a:noFill/>
+            </p:spPr>
+            <p:txBody>
+              <a:bodyPr wrap="none" lIns="0" tIns="0" rIns="0" bIns="0" rtlCol="0">
+                <a:spAutoFit/>
+              </a:bodyPr>
+              <a:lstStyle/>
+              <a:p>
+                <a14:m>
+                  <m:oMathPara xmlns:m="http://schemas.openxmlformats.org/officeDocument/2006/math">
+                    <m:oMathParaPr>
+                      <m:jc m:val="centerGroup"/>
+                    </m:oMathParaPr>
+                    <m:oMath xmlns:m="http://schemas.openxmlformats.org/officeDocument/2006/math">
+                      <m:sSub>
+                        <m:sSubPr>
+                          <m:ctrlPr>
+                            <a:rPr lang="en-US" altLang="zh-CN" sz="2000" b="1" i="1" smtClean="0">
+                              <a:latin typeface="Cambria Math" panose="02040503050406030204" pitchFamily="18" charset="0"/>
+                            </a:rPr>
+                          </m:ctrlPr>
+                        </m:sSubPr>
+                        <m:e>
+                          <m:r>
+                            <a:rPr lang="en-US" altLang="zh-CN" sz="2000" b="1" i="1" smtClean="0">
+                              <a:latin typeface="Cambria Math" panose="02040503050406030204" pitchFamily="18" charset="0"/>
+                            </a:rPr>
+                            <m:t>𝒙</m:t>
+                          </m:r>
+                        </m:e>
+                        <m:sub>
+                          <m:r>
+                            <a:rPr lang="en-US" altLang="zh-CN" sz="2000" b="1" i="0" smtClean="0">
+                              <a:latin typeface="Cambria Math" panose="02040503050406030204" pitchFamily="18" charset="0"/>
+                            </a:rPr>
+                            <m:t>𝟎</m:t>
+                          </m:r>
+                        </m:sub>
+                      </m:sSub>
+                    </m:oMath>
+                  </m:oMathPara>
+                </a14:m>
+                <a:endParaRPr lang="zh-CN" altLang="en-US" sz="2000" b="1" dirty="0"/>
+              </a:p>
+            </p:txBody>
+          </p:sp>
+        </mc:Choice>
+        <mc:Fallback>
+          <p:sp>
+            <p:nvSpPr>
+              <p:cNvPr id="16" name="文本框 15">
+                <a:extLst>
+                  <a:ext uri="{FF2B5EF4-FFF2-40B4-BE49-F238E27FC236}">
+                    <a16:creationId xmlns:a16="http://schemas.microsoft.com/office/drawing/2014/main" id="{85958629-5005-7D7C-0D5A-3BBCEF70E54E}"/>
+                  </a:ext>
+                </a:extLst>
+              </p:cNvPr>
+              <p:cNvSpPr txBox="1">
+                <a:spLocks noRot="1" noChangeAspect="1" noMove="1" noResize="1" noEditPoints="1" noAdjustHandles="1" noChangeArrowheads="1" noChangeShapeType="1" noTextEdit="1"/>
+              </p:cNvSpPr>
+              <p:nvPr/>
+            </p:nvSpPr>
+            <p:spPr>
+              <a:xfrm>
+                <a:off x="684411" y="895904"/>
+                <a:ext cx="340863" cy="307777"/>
+              </a:xfrm>
+              <a:prstGeom prst="rect">
+                <a:avLst/>
+              </a:prstGeom>
+              <a:blipFill>
+                <a:blip r:embed="rId9"/>
+                <a:stretch>
+                  <a:fillRect l="-8929" r="-5357" b="-16000"/>
+                </a:stretch>
+              </a:blipFill>
+            </p:spPr>
+            <p:txBody>
+              <a:bodyPr/>
+              <a:lstStyle/>
+              <a:p>
+                <a:r>
+                  <a:rPr lang="zh-CN" altLang="en-US">
+                    <a:noFill/>
+                  </a:rPr>
+                  <a:t> </a:t>
+                </a:r>
+              </a:p>
+            </p:txBody>
+          </p:sp>
+        </mc:Fallback>
+      </mc:AlternateContent>
+      <mc:AlternateContent xmlns:mc="http://schemas.openxmlformats.org/markup-compatibility/2006">
+        <mc:Choice xmlns:a14="http://schemas.microsoft.com/office/drawing/2010/main" Requires="a14">
+          <p:sp>
+            <p:nvSpPr>
+              <p:cNvPr id="17" name="文本框 16">
+                <a:extLst>
+                  <a:ext uri="{FF2B5EF4-FFF2-40B4-BE49-F238E27FC236}">
+                    <a16:creationId xmlns:a16="http://schemas.microsoft.com/office/drawing/2014/main" id="{EEB16699-7645-9950-1400-E99B03A22578}"/>
+                  </a:ext>
+                </a:extLst>
+              </p:cNvPr>
+              <p:cNvSpPr txBox="1"/>
+              <p:nvPr/>
+            </p:nvSpPr>
+            <p:spPr>
+              <a:xfrm>
+                <a:off x="11140566" y="895904"/>
+                <a:ext cx="340863" cy="307777"/>
+              </a:xfrm>
+              <a:prstGeom prst="rect">
+                <a:avLst/>
+              </a:prstGeom>
+              <a:noFill/>
+            </p:spPr>
+            <p:txBody>
+              <a:bodyPr wrap="none" lIns="0" tIns="0" rIns="0" bIns="0" rtlCol="0">
+                <a:spAutoFit/>
+              </a:bodyPr>
+              <a:lstStyle/>
+              <a:p>
+                <a14:m>
+                  <m:oMathPara xmlns:m="http://schemas.openxmlformats.org/officeDocument/2006/math">
+                    <m:oMathParaPr>
+                      <m:jc m:val="centerGroup"/>
+                    </m:oMathParaPr>
+                    <m:oMath xmlns:m="http://schemas.openxmlformats.org/officeDocument/2006/math">
+                      <m:sSub>
+                        <m:sSubPr>
+                          <m:ctrlPr>
+                            <a:rPr lang="en-US" altLang="zh-CN" sz="2000" b="1" i="1" smtClean="0">
+                              <a:latin typeface="Cambria Math" panose="02040503050406030204" pitchFamily="18" charset="0"/>
+                            </a:rPr>
+                          </m:ctrlPr>
+                        </m:sSubPr>
+                        <m:e>
+                          <m:r>
+                            <a:rPr lang="en-US" altLang="zh-CN" sz="2000" b="1" i="1" smtClean="0">
+                              <a:latin typeface="Cambria Math" panose="02040503050406030204" pitchFamily="18" charset="0"/>
+                            </a:rPr>
+                            <m:t>𝒙</m:t>
+                          </m:r>
+                        </m:e>
+                        <m:sub>
+                          <m:r>
+                            <a:rPr lang="en-US" altLang="zh-CN" sz="2000" b="1" i="1" smtClean="0">
+                              <a:latin typeface="Cambria Math" panose="02040503050406030204" pitchFamily="18" charset="0"/>
+                            </a:rPr>
+                            <m:t>𝟏</m:t>
+                          </m:r>
+                        </m:sub>
+                      </m:sSub>
+                    </m:oMath>
+                  </m:oMathPara>
+                </a14:m>
+                <a:endParaRPr lang="zh-CN" altLang="en-US" sz="2000" b="1" dirty="0"/>
+              </a:p>
+            </p:txBody>
+          </p:sp>
+        </mc:Choice>
+        <mc:Fallback>
+          <p:sp>
+            <p:nvSpPr>
+              <p:cNvPr id="17" name="文本框 16">
+                <a:extLst>
+                  <a:ext uri="{FF2B5EF4-FFF2-40B4-BE49-F238E27FC236}">
+                    <a16:creationId xmlns:a16="http://schemas.microsoft.com/office/drawing/2014/main" id="{EEB16699-7645-9950-1400-E99B03A22578}"/>
+                  </a:ext>
+                </a:extLst>
+              </p:cNvPr>
+              <p:cNvSpPr txBox="1">
+                <a:spLocks noRot="1" noChangeAspect="1" noMove="1" noResize="1" noEditPoints="1" noAdjustHandles="1" noChangeArrowheads="1" noChangeShapeType="1" noTextEdit="1"/>
+              </p:cNvSpPr>
+              <p:nvPr/>
+            </p:nvSpPr>
+            <p:spPr>
+              <a:xfrm>
+                <a:off x="11140566" y="895904"/>
+                <a:ext cx="340863" cy="307777"/>
+              </a:xfrm>
+              <a:prstGeom prst="rect">
+                <a:avLst/>
+              </a:prstGeom>
+              <a:blipFill>
+                <a:blip r:embed="rId10"/>
+                <a:stretch>
+                  <a:fillRect l="-9091" r="-5455" b="-16000"/>
+                </a:stretch>
+              </a:blipFill>
+            </p:spPr>
+            <p:txBody>
+              <a:bodyPr/>
+              <a:lstStyle/>
+              <a:p>
+                <a:r>
+                  <a:rPr lang="zh-CN" altLang="en-US">
+                    <a:noFill/>
+                  </a:rPr>
+                  <a:t> </a:t>
+                </a:r>
+              </a:p>
+            </p:txBody>
+          </p:sp>
+        </mc:Fallback>
+      </mc:AlternateContent>
+    </p:spTree>
+    <p:extLst>
+      <p:ext uri="{BB962C8B-B14F-4D97-AF65-F5344CB8AC3E}">
+        <p14:creationId xmlns:p14="http://schemas.microsoft.com/office/powerpoint/2010/main" val="3734010734"/>
       </p:ext>
     </p:extLst>
   </p:cSld>
@@ -5907,4 +8779,319 @@
     </a:ext>
   </a:extLst>
 </a:theme>
+</file>
+
+<file path=ppt/theme/theme2.xml><?xml version="1.0" encoding="utf-8"?>
+<a:theme xmlns:a="http://schemas.openxmlformats.org/drawingml/2006/main" name="Office 主题​​">
+  <a:themeElements>
+    <a:clrScheme name="Office">
+      <a:dk1>
+        <a:sysClr val="windowText" lastClr="000000"/>
+      </a:dk1>
+      <a:lt1>
+        <a:sysClr val="window" lastClr="FFFFFF"/>
+      </a:lt1>
+      <a:dk2>
+        <a:srgbClr val="0E2841"/>
+      </a:dk2>
+      <a:lt2>
+        <a:srgbClr val="E8E8E8"/>
+      </a:lt2>
+      <a:accent1>
+        <a:srgbClr val="156082"/>
+      </a:accent1>
+      <a:accent2>
+        <a:srgbClr val="E97132"/>
+      </a:accent2>
+      <a:accent3>
+        <a:srgbClr val="196B24"/>
+      </a:accent3>
+      <a:accent4>
+        <a:srgbClr val="0F9ED5"/>
+      </a:accent4>
+      <a:accent5>
+        <a:srgbClr val="A02B93"/>
+      </a:accent5>
+      <a:accent6>
+        <a:srgbClr val="4EA72E"/>
+      </a:accent6>
+      <a:hlink>
+        <a:srgbClr val="467886"/>
+      </a:hlink>
+      <a:folHlink>
+        <a:srgbClr val="96607D"/>
+      </a:folHlink>
+    </a:clrScheme>
+    <a:fontScheme name="Office">
+      <a:majorFont>
+        <a:latin typeface="等线 Light" panose="02110004020202020204"/>
+        <a:ea typeface=""/>
+        <a:cs typeface=""/>
+        <a:font script="Jpan" typeface="游ゴシック Light"/>
+        <a:font script="Hang" typeface="맑은 고딕"/>
+        <a:font script="Hans" typeface="等线 Light"/>
+        <a:font script="Hant" typeface="新細明體"/>
+        <a:font script="Arab" typeface="Times New Roman"/>
+        <a:font script="Hebr" typeface="Times New Roman"/>
+        <a:font script="Thai" typeface="Angsana New"/>
+        <a:font script="Ethi" typeface="Nyala"/>
+        <a:font script="Beng" typeface="Vrinda"/>
+        <a:font script="Gujr" typeface="Shruti"/>
+        <a:font script="Khmr" typeface="MoolBoran"/>
+        <a:font script="Knda" typeface="Tunga"/>
+        <a:font script="Guru" typeface="Raavi"/>
+        <a:font script="Cans" typeface="Euphemia"/>
+        <a:font script="Cher" typeface="Plantagenet Cherokee"/>
+        <a:font script="Yiii" typeface="Microsoft Yi Baiti"/>
+        <a:font script="Tibt" typeface="Microsoft Himalaya"/>
+        <a:font script="Thaa" typeface="MV Boli"/>
+        <a:font script="Deva" typeface="Mangal"/>
+        <a:font script="Telu" typeface="Gautami"/>
+        <a:font script="Taml" typeface="Latha"/>
+        <a:font script="Syrc" typeface="Estrangelo Edessa"/>
+        <a:font script="Orya" typeface="Kalinga"/>
+        <a:font script="Mlym" typeface="Kartika"/>
+        <a:font script="Laoo" typeface="DokChampa"/>
+        <a:font script="Sinh" typeface="Iskoola Pota"/>
+        <a:font script="Mong" typeface="Mongolian Baiti"/>
+        <a:font script="Viet" typeface="Times New Roman"/>
+        <a:font script="Uigh" typeface="Microsoft Uighur"/>
+        <a:font script="Geor" typeface="Sylfaen"/>
+        <a:font script="Armn" typeface="Arial"/>
+        <a:font script="Bugi" typeface="Leelawadee UI"/>
+        <a:font script="Bopo" typeface="Microsoft JhengHei"/>
+        <a:font script="Java" typeface="Javanese Text"/>
+        <a:font script="Lisu" typeface="Segoe UI"/>
+        <a:font script="Mymr" typeface="Myanmar Text"/>
+        <a:font script="Nkoo" typeface="Ebrima"/>
+        <a:font script="Olck" typeface="Nirmala UI"/>
+        <a:font script="Osma" typeface="Ebrima"/>
+        <a:font script="Phag" typeface="Phagspa"/>
+        <a:font script="Syrn" typeface="Estrangelo Edessa"/>
+        <a:font script="Syrj" typeface="Estrangelo Edessa"/>
+        <a:font script="Syre" typeface="Estrangelo Edessa"/>
+        <a:font script="Sora" typeface="Nirmala UI"/>
+        <a:font script="Tale" typeface="Microsoft Tai Le"/>
+        <a:font script="Talu" typeface="Microsoft New Tai Lue"/>
+        <a:font script="Tfng" typeface="Ebrima"/>
+      </a:majorFont>
+      <a:minorFont>
+        <a:latin typeface="等线" panose="02110004020202020204"/>
+        <a:ea typeface=""/>
+        <a:cs typeface=""/>
+        <a:font script="Jpan" typeface="游ゴシック"/>
+        <a:font script="Hang" typeface="맑은 고딕"/>
+        <a:font script="Hans" typeface="等线"/>
+        <a:font script="Hant" typeface="新細明體"/>
+        <a:font script="Arab" typeface="Arial"/>
+        <a:font script="Hebr" typeface="Arial"/>
+        <a:font script="Thai" typeface="Cordia New"/>
+        <a:font script="Ethi" typeface="Nyala"/>
+        <a:font script="Beng" typeface="Vrinda"/>
+        <a:font script="Gujr" typeface="Shruti"/>
+        <a:font script="Khmr" typeface="DaunPenh"/>
+        <a:font script="Knda" typeface="Tunga"/>
+        <a:font script="Guru" typeface="Raavi"/>
+        <a:font script="Cans" typeface="Euphemia"/>
+        <a:font script="Cher" typeface="Plantagenet Cherokee"/>
+        <a:font script="Yiii" typeface="Microsoft Yi Baiti"/>
+        <a:font script="Tibt" typeface="Microsoft Himalaya"/>
+        <a:font script="Thaa" typeface="MV Boli"/>
+        <a:font script="Deva" typeface="Mangal"/>
+        <a:font script="Telu" typeface="Gautami"/>
+        <a:font script="Taml" typeface="Latha"/>
+        <a:font script="Syrc" typeface="Estrangelo Edessa"/>
+        <a:font script="Orya" typeface="Kalinga"/>
+        <a:font script="Mlym" typeface="Kartika"/>
+        <a:font script="Laoo" typeface="DokChampa"/>
+        <a:font script="Sinh" typeface="Iskoola Pota"/>
+        <a:font script="Mong" typeface="Mongolian Baiti"/>
+        <a:font script="Viet" typeface="Arial"/>
+        <a:font script="Uigh" typeface="Microsoft Uighur"/>
+        <a:font script="Geor" typeface="Sylfaen"/>
+        <a:font script="Armn" typeface="Arial"/>
+        <a:font script="Bugi" typeface="Leelawadee UI"/>
+        <a:font script="Bopo" typeface="Microsoft JhengHei"/>
+        <a:font script="Java" typeface="Javanese Text"/>
+        <a:font script="Lisu" typeface="Segoe UI"/>
+        <a:font script="Mymr" typeface="Myanmar Text"/>
+        <a:font script="Nkoo" typeface="Ebrima"/>
+        <a:font script="Olck" typeface="Nirmala UI"/>
+        <a:font script="Osma" typeface="Ebrima"/>
+        <a:font script="Phag" typeface="Phagspa"/>
+        <a:font script="Syrn" typeface="Estrangelo Edessa"/>
+        <a:font script="Syrj" typeface="Estrangelo Edessa"/>
+        <a:font script="Syre" typeface="Estrangelo Edessa"/>
+        <a:font script="Sora" typeface="Nirmala UI"/>
+        <a:font script="Tale" typeface="Microsoft Tai Le"/>
+        <a:font script="Talu" typeface="Microsoft New Tai Lue"/>
+        <a:font script="Tfng" typeface="Ebrima"/>
+      </a:minorFont>
+    </a:fontScheme>
+    <a:fmtScheme name="Office">
+      <a:fillStyleLst>
+        <a:solidFill>
+          <a:schemeClr val="phClr"/>
+        </a:solidFill>
+        <a:gradFill rotWithShape="1">
+          <a:gsLst>
+            <a:gs pos="0">
+              <a:schemeClr val="phClr">
+                <a:lumMod val="110000"/>
+                <a:satMod val="105000"/>
+                <a:tint val="67000"/>
+              </a:schemeClr>
+            </a:gs>
+            <a:gs pos="50000">
+              <a:schemeClr val="phClr">
+                <a:lumMod val="105000"/>
+                <a:satMod val="103000"/>
+                <a:tint val="73000"/>
+              </a:schemeClr>
+            </a:gs>
+            <a:gs pos="100000">
+              <a:schemeClr val="phClr">
+                <a:lumMod val="105000"/>
+                <a:satMod val="109000"/>
+                <a:tint val="81000"/>
+              </a:schemeClr>
+            </a:gs>
+          </a:gsLst>
+          <a:lin ang="5400000" scaled="0"/>
+        </a:gradFill>
+        <a:gradFill rotWithShape="1">
+          <a:gsLst>
+            <a:gs pos="0">
+              <a:schemeClr val="phClr">
+                <a:satMod val="103000"/>
+                <a:lumMod val="102000"/>
+                <a:tint val="94000"/>
+              </a:schemeClr>
+            </a:gs>
+            <a:gs pos="50000">
+              <a:schemeClr val="phClr">
+                <a:satMod val="110000"/>
+                <a:lumMod val="100000"/>
+                <a:shade val="100000"/>
+              </a:schemeClr>
+            </a:gs>
+            <a:gs pos="100000">
+              <a:schemeClr val="phClr">
+                <a:lumMod val="99000"/>
+                <a:satMod val="120000"/>
+                <a:shade val="78000"/>
+              </a:schemeClr>
+            </a:gs>
+          </a:gsLst>
+          <a:lin ang="5400000" scaled="0"/>
+        </a:gradFill>
+      </a:fillStyleLst>
+      <a:lnStyleLst>
+        <a:ln w="12700" cap="flat" cmpd="sng" algn="ctr">
+          <a:solidFill>
+            <a:schemeClr val="phClr"/>
+          </a:solidFill>
+          <a:prstDash val="solid"/>
+          <a:miter lim="800000"/>
+        </a:ln>
+        <a:ln w="19050" cap="flat" cmpd="sng" algn="ctr">
+          <a:solidFill>
+            <a:schemeClr val="phClr"/>
+          </a:solidFill>
+          <a:prstDash val="solid"/>
+          <a:miter lim="800000"/>
+        </a:ln>
+        <a:ln w="25400" cap="flat" cmpd="sng" algn="ctr">
+          <a:solidFill>
+            <a:schemeClr val="phClr"/>
+          </a:solidFill>
+          <a:prstDash val="solid"/>
+          <a:miter lim="800000"/>
+        </a:ln>
+      </a:lnStyleLst>
+      <a:effectStyleLst>
+        <a:effectStyle>
+          <a:effectLst/>
+        </a:effectStyle>
+        <a:effectStyle>
+          <a:effectLst/>
+        </a:effectStyle>
+        <a:effectStyle>
+          <a:effectLst>
+            <a:outerShdw blurRad="57150" dist="19050" dir="5400000" algn="ctr" rotWithShape="0">
+              <a:srgbClr val="000000">
+                <a:alpha val="63000"/>
+              </a:srgbClr>
+            </a:outerShdw>
+          </a:effectLst>
+        </a:effectStyle>
+      </a:effectStyleLst>
+      <a:bgFillStyleLst>
+        <a:solidFill>
+          <a:schemeClr val="phClr"/>
+        </a:solidFill>
+        <a:solidFill>
+          <a:schemeClr val="phClr">
+            <a:tint val="95000"/>
+            <a:satMod val="170000"/>
+          </a:schemeClr>
+        </a:solidFill>
+        <a:gradFill rotWithShape="1">
+          <a:gsLst>
+            <a:gs pos="0">
+              <a:schemeClr val="phClr">
+                <a:tint val="93000"/>
+                <a:satMod val="150000"/>
+                <a:shade val="98000"/>
+                <a:lumMod val="102000"/>
+              </a:schemeClr>
+            </a:gs>
+            <a:gs pos="50000">
+              <a:schemeClr val="phClr">
+                <a:tint val="98000"/>
+                <a:satMod val="130000"/>
+                <a:shade val="90000"/>
+                <a:lumMod val="103000"/>
+              </a:schemeClr>
+            </a:gs>
+            <a:gs pos="100000">
+              <a:schemeClr val="phClr">
+                <a:shade val="63000"/>
+                <a:satMod val="120000"/>
+              </a:schemeClr>
+            </a:gs>
+          </a:gsLst>
+          <a:lin ang="5400000" scaled="0"/>
+        </a:gradFill>
+      </a:bgFillStyleLst>
+    </a:fmtScheme>
+  </a:themeElements>
+  <a:objectDefaults>
+    <a:lnDef>
+      <a:spPr/>
+      <a:bodyPr/>
+      <a:lstStyle/>
+      <a:style>
+        <a:lnRef idx="2">
+          <a:schemeClr val="accent1"/>
+        </a:lnRef>
+        <a:fillRef idx="0">
+          <a:schemeClr val="accent1"/>
+        </a:fillRef>
+        <a:effectRef idx="1">
+          <a:schemeClr val="accent1"/>
+        </a:effectRef>
+        <a:fontRef idx="minor">
+          <a:schemeClr val="tx1"/>
+        </a:fontRef>
+      </a:style>
+    </a:lnDef>
+  </a:objectDefaults>
+  <a:extraClrSchemeLst/>
+  <a:extLst>
+    <a:ext uri="{05A4C25C-085E-4340-85A3-A5531E510DB2}">
+      <thm15:themeFamily xmlns:thm15="http://schemas.microsoft.com/office/thememl/2012/main" name="Office Theme" id="{2E142A2C-CD16-42D6-873A-C26D2A0506FA}" vid="{1BDDFF52-6CD6-40A5-AB3C-68EB2F1E4D0A}"/>
+    </a:ext>
+  </a:extLst>
+</a:theme>
 </file>